--- a/Lending_Club_Case_study.pptx
+++ b/Lending_Club_Case_study.pptx
@@ -9,14 +9,17 @@
     <p:sldId id="257" r:id="rId3"/>
     <p:sldId id="259" r:id="rId4"/>
     <p:sldId id="269" r:id="rId5"/>
-    <p:sldId id="272" r:id="rId6"/>
-    <p:sldId id="273" r:id="rId7"/>
-    <p:sldId id="274" r:id="rId8"/>
-    <p:sldId id="275" r:id="rId9"/>
-    <p:sldId id="276" r:id="rId10"/>
-    <p:sldId id="277" r:id="rId11"/>
-    <p:sldId id="263" r:id="rId12"/>
-    <p:sldId id="271" r:id="rId13"/>
+    <p:sldId id="278" r:id="rId6"/>
+    <p:sldId id="272" r:id="rId7"/>
+    <p:sldId id="279" r:id="rId8"/>
+    <p:sldId id="273" r:id="rId9"/>
+    <p:sldId id="280" r:id="rId10"/>
+    <p:sldId id="275" r:id="rId11"/>
+    <p:sldId id="276" r:id="rId12"/>
+    <p:sldId id="281" r:id="rId13"/>
+    <p:sldId id="277" r:id="rId14"/>
+    <p:sldId id="263" r:id="rId15"/>
+    <p:sldId id="271" r:id="rId16"/>
   </p:sldIdLst>
   <p:sldSz cx="12192000" cy="6858000"/>
   <p:notesSz cx="6858000" cy="9144000"/>
@@ -3529,7 +3532,7 @@
               <a:rPr lang="en-US" sz="2000" b="1" dirty="0">
                 <a:latin typeface="+mn-lt"/>
               </a:rPr>
-              <a:t>Analysis-Purpose vs Loan Status</a:t>
+              <a:t>Analysis Of Grade Vs Loan Amount</a:t>
             </a:r>
           </a:p>
         </p:txBody>
@@ -3552,7 +3555,7 @@
         </p:nvSpPr>
         <p:spPr>
           <a:xfrm>
-            <a:off x="740748" y="1188062"/>
+            <a:off x="740748" y="1072652"/>
             <a:ext cx="10515600" cy="4351338"/>
           </a:xfrm>
         </p:spPr>
@@ -3585,7 +3588,7 @@
         <p:spPr>
           <a:xfrm>
             <a:off x="482833" y="5342817"/>
-            <a:ext cx="11379200" cy="923330"/>
+            <a:ext cx="11379200" cy="646331"/>
           </a:xfrm>
           <a:prstGeom prst="rect">
             <a:avLst/>
@@ -3598,46 +3601,19 @@
           </a:bodyPr>
           <a:lstStyle/>
           <a:p>
-            <a:pPr marL="285750" indent="-285750">
-              <a:buFont typeface="Arial" panose="020B0604020202020204" pitchFamily="34" charset="0"/>
-              <a:buChar char="•"/>
-            </a:pPr>
-            <a:r>
-              <a:rPr lang="en-US" b="0" i="0" dirty="0">
-                <a:effectLst/>
-              </a:rPr>
-              <a:t>There is around 20% chance of loan default in each home ownership category.</a:t>
-            </a:r>
-          </a:p>
-          <a:p>
-            <a:pPr marL="285750" indent="-285750">
-              <a:buFont typeface="Arial" panose="020B0604020202020204" pitchFamily="34" charset="0"/>
-              <a:buChar char="•"/>
-            </a:pPr>
-            <a:r>
-              <a:rPr lang="en-US" b="0" i="0" dirty="0">
-                <a:effectLst/>
-              </a:rPr>
-              <a:t>From the 2nd plot we can see the people with higher loan amounts in mortgage home ownership has</a:t>
-            </a:r>
-          </a:p>
-          <a:p>
-            <a:r>
-              <a:rPr lang="en-US" b="0" i="0" dirty="0">
-                <a:effectLst/>
-              </a:rPr>
-              <a:t>     high default rate than others</a:t>
-            </a:r>
-            <a:endParaRPr lang="en-US" dirty="0"/>
+            <a:r>
+              <a:rPr lang="en-US" dirty="0"/>
+              <a:t>Loans are more often charged off in lower credit grades, where borrowers usually take bigger loans and are more likely to default.</a:t>
+            </a:r>
           </a:p>
         </p:txBody>
       </p:sp>
       <p:pic>
         <p:nvPicPr>
-          <p:cNvPr id="5" name="Picture 4">
-            <a:extLst>
-              <a:ext uri="{FF2B5EF4-FFF2-40B4-BE49-F238E27FC236}">
-                <a16:creationId xmlns:a16="http://schemas.microsoft.com/office/drawing/2014/main" id="{D05918DE-1A53-CB8E-8060-60C5C755D39E}"/>
+          <p:cNvPr id="6" name="Picture 5">
+            <a:extLst>
+              <a:ext uri="{FF2B5EF4-FFF2-40B4-BE49-F238E27FC236}">
+                <a16:creationId xmlns:a16="http://schemas.microsoft.com/office/drawing/2014/main" id="{075A3DFF-9960-7686-8194-99427A444912}"/>
               </a:ext>
             </a:extLst>
           </p:cNvPr>
@@ -3654,38 +3630,8 @@
         </p:blipFill>
         <p:spPr>
           <a:xfrm>
-            <a:off x="838200" y="1069759"/>
-            <a:ext cx="5236610" cy="3884337"/>
-          </a:xfrm>
-          <a:prstGeom prst="rect">
-            <a:avLst/>
-          </a:prstGeom>
-        </p:spPr>
-      </p:pic>
-      <p:pic>
-        <p:nvPicPr>
-          <p:cNvPr id="9" name="Picture 8">
-            <a:extLst>
-              <a:ext uri="{FF2B5EF4-FFF2-40B4-BE49-F238E27FC236}">
-                <a16:creationId xmlns:a16="http://schemas.microsoft.com/office/drawing/2014/main" id="{7C30F71D-D157-9CD5-E1BB-481667168884}"/>
-              </a:ext>
-            </a:extLst>
-          </p:cNvPr>
-          <p:cNvPicPr>
-            <a:picLocks noChangeAspect="1"/>
-          </p:cNvPicPr>
-          <p:nvPr/>
-        </p:nvPicPr>
-        <p:blipFill>
-          <a:blip r:embed="rId3"/>
-          <a:stretch>
-            <a:fillRect/>
-          </a:stretch>
-        </p:blipFill>
-        <p:spPr>
-          <a:xfrm>
-            <a:off x="5242114" y="1069759"/>
-            <a:ext cx="5667375" cy="3884337"/>
+            <a:off x="114300" y="1562100"/>
+            <a:ext cx="11963400" cy="3733800"/>
           </a:xfrm>
           <a:prstGeom prst="rect">
             <a:avLst/>
@@ -3695,7 +3641,7 @@
     </p:spTree>
     <p:extLst>
       <p:ext uri="{BB962C8B-B14F-4D97-AF65-F5344CB8AC3E}">
-        <p14:creationId xmlns:p14="http://schemas.microsoft.com/office/powerpoint/2010/main" val="175261434"/>
+        <p14:creationId xmlns:p14="http://schemas.microsoft.com/office/powerpoint/2010/main" val="1991093203"/>
       </p:ext>
     </p:extLst>
   </p:cSld>
@@ -3727,6 +3673,570 @@
           <p:cNvPr id="2" name="Title 1">
             <a:extLst>
               <a:ext uri="{FF2B5EF4-FFF2-40B4-BE49-F238E27FC236}">
+                <a16:creationId xmlns:a16="http://schemas.microsoft.com/office/drawing/2014/main" id="{2DB8854D-7598-190D-BBB5-33A192C9D889}"/>
+              </a:ext>
+            </a:extLst>
+          </p:cNvPr>
+          <p:cNvSpPr>
+            <a:spLocks noGrp="1"/>
+          </p:cNvSpPr>
+          <p:nvPr>
+            <p:ph type="title"/>
+          </p:nvPr>
+        </p:nvSpPr>
+        <p:spPr>
+          <a:xfrm>
+            <a:off x="838200" y="365126"/>
+            <a:ext cx="10515600" cy="315912"/>
+          </a:xfrm>
+        </p:spPr>
+        <p:txBody>
+          <a:bodyPr>
+            <a:noAutofit/>
+          </a:bodyPr>
+          <a:lstStyle/>
+          <a:p>
+            <a:r>
+              <a:rPr lang="en-US" sz="2000" b="1" dirty="0">
+                <a:latin typeface="+mn-lt"/>
+              </a:rPr>
+              <a:t>Analysis Of Employment Years Vs Loan Status</a:t>
+            </a:r>
+          </a:p>
+        </p:txBody>
+      </p:sp>
+      <p:sp>
+        <p:nvSpPr>
+          <p:cNvPr id="3" name="Content Placeholder 2">
+            <a:extLst>
+              <a:ext uri="{FF2B5EF4-FFF2-40B4-BE49-F238E27FC236}">
+                <a16:creationId xmlns:a16="http://schemas.microsoft.com/office/drawing/2014/main" id="{5E214694-B4B5-874C-80F5-379A75305611}"/>
+              </a:ext>
+            </a:extLst>
+          </p:cNvPr>
+          <p:cNvSpPr>
+            <a:spLocks noGrp="1"/>
+          </p:cNvSpPr>
+          <p:nvPr>
+            <p:ph idx="1"/>
+          </p:nvPr>
+        </p:nvSpPr>
+        <p:spPr>
+          <a:xfrm>
+            <a:off x="740748" y="1188062"/>
+            <a:ext cx="10515600" cy="4351338"/>
+          </a:xfrm>
+        </p:spPr>
+        <p:txBody>
+          <a:bodyPr/>
+          <a:lstStyle/>
+          <a:p>
+            <a:endParaRPr lang="en-US" sz="2000" dirty="0"/>
+          </a:p>
+          <a:p>
+            <a:endParaRPr lang="en-US" sz="2000" dirty="0"/>
+          </a:p>
+          <a:p>
+            <a:endParaRPr lang="en-US" dirty="0"/>
+          </a:p>
+        </p:txBody>
+      </p:sp>
+      <p:sp>
+        <p:nvSpPr>
+          <p:cNvPr id="8" name="TextBox 7">
+            <a:extLst>
+              <a:ext uri="{FF2B5EF4-FFF2-40B4-BE49-F238E27FC236}">
+                <a16:creationId xmlns:a16="http://schemas.microsoft.com/office/drawing/2014/main" id="{20496670-6825-8514-F96D-F6756AA987C4}"/>
+              </a:ext>
+            </a:extLst>
+          </p:cNvPr>
+          <p:cNvSpPr txBox="1"/>
+          <p:nvPr/>
+        </p:nvSpPr>
+        <p:spPr>
+          <a:xfrm>
+            <a:off x="482833" y="5342817"/>
+            <a:ext cx="11379200" cy="369332"/>
+          </a:xfrm>
+          <a:prstGeom prst="rect">
+            <a:avLst/>
+          </a:prstGeom>
+          <a:noFill/>
+        </p:spPr>
+        <p:txBody>
+          <a:bodyPr wrap="square" rtlCol="0">
+            <a:spAutoFit/>
+          </a:bodyPr>
+          <a:lstStyle/>
+          <a:p>
+            <a:r>
+              <a:rPr lang="en-US" b="0" i="0" dirty="0">
+                <a:effectLst/>
+              </a:rPr>
+              <a:t>No significant patterns in default rates across different employment lengths.</a:t>
+            </a:r>
+            <a:endParaRPr lang="en-US" dirty="0"/>
+          </a:p>
+        </p:txBody>
+      </p:sp>
+      <p:pic>
+        <p:nvPicPr>
+          <p:cNvPr id="5" name="Picture 4">
+            <a:extLst>
+              <a:ext uri="{FF2B5EF4-FFF2-40B4-BE49-F238E27FC236}">
+                <a16:creationId xmlns:a16="http://schemas.microsoft.com/office/drawing/2014/main" id="{5ED1D171-DB2F-A310-FA69-FFE13537E498}"/>
+              </a:ext>
+            </a:extLst>
+          </p:cNvPr>
+          <p:cNvPicPr>
+            <a:picLocks noChangeAspect="1"/>
+          </p:cNvPicPr>
+          <p:nvPr/>
+        </p:nvPicPr>
+        <p:blipFill>
+          <a:blip r:embed="rId2"/>
+          <a:stretch>
+            <a:fillRect/>
+          </a:stretch>
+        </p:blipFill>
+        <p:spPr>
+          <a:xfrm>
+            <a:off x="1029809" y="760590"/>
+            <a:ext cx="9160755" cy="4619957"/>
+          </a:xfrm>
+          <a:prstGeom prst="rect">
+            <a:avLst/>
+          </a:prstGeom>
+        </p:spPr>
+      </p:pic>
+    </p:spTree>
+    <p:extLst>
+      <p:ext uri="{BB962C8B-B14F-4D97-AF65-F5344CB8AC3E}">
+        <p14:creationId xmlns:p14="http://schemas.microsoft.com/office/powerpoint/2010/main" val="2835575716"/>
+      </p:ext>
+    </p:extLst>
+  </p:cSld>
+  <p:clrMapOvr>
+    <a:masterClrMapping/>
+  </p:clrMapOvr>
+</p:sld>
+</file>
+
+<file path=ppt/slides/slide12.xml><?xml version="1.0" encoding="utf-8"?>
+<p:sld xmlns:a="http://schemas.openxmlformats.org/drawingml/2006/main" xmlns:r="http://schemas.openxmlformats.org/officeDocument/2006/relationships" xmlns:p="http://schemas.openxmlformats.org/presentationml/2006/main">
+  <p:cSld>
+    <p:spTree>
+      <p:nvGrpSpPr>
+        <p:cNvPr id="1" name=""/>
+        <p:cNvGrpSpPr/>
+        <p:nvPr/>
+      </p:nvGrpSpPr>
+      <p:grpSpPr>
+        <a:xfrm>
+          <a:off x="0" y="0"/>
+          <a:ext cx="0" cy="0"/>
+          <a:chOff x="0" y="0"/>
+          <a:chExt cx="0" cy="0"/>
+        </a:xfrm>
+      </p:grpSpPr>
+      <p:sp>
+        <p:nvSpPr>
+          <p:cNvPr id="2" name="Title 1">
+            <a:extLst>
+              <a:ext uri="{FF2B5EF4-FFF2-40B4-BE49-F238E27FC236}">
+                <a16:creationId xmlns:a16="http://schemas.microsoft.com/office/drawing/2014/main" id="{2DB8854D-7598-190D-BBB5-33A192C9D889}"/>
+              </a:ext>
+            </a:extLst>
+          </p:cNvPr>
+          <p:cNvSpPr>
+            <a:spLocks noGrp="1"/>
+          </p:cNvSpPr>
+          <p:nvPr>
+            <p:ph type="title"/>
+          </p:nvPr>
+        </p:nvSpPr>
+        <p:spPr>
+          <a:xfrm>
+            <a:off x="838200" y="365126"/>
+            <a:ext cx="10515600" cy="315912"/>
+          </a:xfrm>
+        </p:spPr>
+        <p:txBody>
+          <a:bodyPr>
+            <a:noAutofit/>
+          </a:bodyPr>
+          <a:lstStyle/>
+          <a:p>
+            <a:r>
+              <a:rPr lang="en-US" sz="2000" b="1" dirty="0">
+                <a:latin typeface="+mn-lt"/>
+              </a:rPr>
+              <a:t>Analysis Of Employment Years Vs Loan Amount</a:t>
+            </a:r>
+          </a:p>
+        </p:txBody>
+      </p:sp>
+      <p:sp>
+        <p:nvSpPr>
+          <p:cNvPr id="3" name="Content Placeholder 2">
+            <a:extLst>
+              <a:ext uri="{FF2B5EF4-FFF2-40B4-BE49-F238E27FC236}">
+                <a16:creationId xmlns:a16="http://schemas.microsoft.com/office/drawing/2014/main" id="{5E214694-B4B5-874C-80F5-379A75305611}"/>
+              </a:ext>
+            </a:extLst>
+          </p:cNvPr>
+          <p:cNvSpPr>
+            <a:spLocks noGrp="1"/>
+          </p:cNvSpPr>
+          <p:nvPr>
+            <p:ph idx="1"/>
+          </p:nvPr>
+        </p:nvSpPr>
+        <p:spPr>
+          <a:xfrm>
+            <a:off x="740748" y="1188062"/>
+            <a:ext cx="10515600" cy="4351338"/>
+          </a:xfrm>
+        </p:spPr>
+        <p:txBody>
+          <a:bodyPr/>
+          <a:lstStyle/>
+          <a:p>
+            <a:endParaRPr lang="en-US" sz="2000" dirty="0"/>
+          </a:p>
+          <a:p>
+            <a:endParaRPr lang="en-US" sz="2000" dirty="0"/>
+          </a:p>
+          <a:p>
+            <a:endParaRPr lang="en-US" dirty="0"/>
+          </a:p>
+        </p:txBody>
+      </p:sp>
+      <p:sp>
+        <p:nvSpPr>
+          <p:cNvPr id="8" name="TextBox 7">
+            <a:extLst>
+              <a:ext uri="{FF2B5EF4-FFF2-40B4-BE49-F238E27FC236}">
+                <a16:creationId xmlns:a16="http://schemas.microsoft.com/office/drawing/2014/main" id="{20496670-6825-8514-F96D-F6756AA987C4}"/>
+              </a:ext>
+            </a:extLst>
+          </p:cNvPr>
+          <p:cNvSpPr txBox="1"/>
+          <p:nvPr/>
+        </p:nvSpPr>
+        <p:spPr>
+          <a:xfrm>
+            <a:off x="482833" y="5342817"/>
+            <a:ext cx="11379200" cy="369332"/>
+          </a:xfrm>
+          <a:prstGeom prst="rect">
+            <a:avLst/>
+          </a:prstGeom>
+          <a:noFill/>
+        </p:spPr>
+        <p:txBody>
+          <a:bodyPr wrap="square" rtlCol="0">
+            <a:spAutoFit/>
+          </a:bodyPr>
+          <a:lstStyle/>
+          <a:p>
+            <a:r>
+              <a:rPr lang="en-US" dirty="0"/>
+              <a:t>Borrowers with longer job tenures who take out larger loans generally have higher default rates.</a:t>
+            </a:r>
+          </a:p>
+        </p:txBody>
+      </p:sp>
+      <p:pic>
+        <p:nvPicPr>
+          <p:cNvPr id="6" name="Picture 5">
+            <a:extLst>
+              <a:ext uri="{FF2B5EF4-FFF2-40B4-BE49-F238E27FC236}">
+                <a16:creationId xmlns:a16="http://schemas.microsoft.com/office/drawing/2014/main" id="{82DBC5DB-D62D-37F3-60C0-B8EC41B8C3A1}"/>
+              </a:ext>
+            </a:extLst>
+          </p:cNvPr>
+          <p:cNvPicPr>
+            <a:picLocks noChangeAspect="1"/>
+          </p:cNvPicPr>
+          <p:nvPr/>
+        </p:nvPicPr>
+        <p:blipFill>
+          <a:blip r:embed="rId2"/>
+          <a:stretch>
+            <a:fillRect/>
+          </a:stretch>
+        </p:blipFill>
+        <p:spPr>
+          <a:xfrm>
+            <a:off x="33337" y="1452562"/>
+            <a:ext cx="12125325" cy="3952875"/>
+          </a:xfrm>
+          <a:prstGeom prst="rect">
+            <a:avLst/>
+          </a:prstGeom>
+        </p:spPr>
+      </p:pic>
+    </p:spTree>
+    <p:extLst>
+      <p:ext uri="{BB962C8B-B14F-4D97-AF65-F5344CB8AC3E}">
+        <p14:creationId xmlns:p14="http://schemas.microsoft.com/office/powerpoint/2010/main" val="606647386"/>
+      </p:ext>
+    </p:extLst>
+  </p:cSld>
+  <p:clrMapOvr>
+    <a:masterClrMapping/>
+  </p:clrMapOvr>
+</p:sld>
+</file>
+
+<file path=ppt/slides/slide13.xml><?xml version="1.0" encoding="utf-8"?>
+<p:sld xmlns:a="http://schemas.openxmlformats.org/drawingml/2006/main" xmlns:r="http://schemas.openxmlformats.org/officeDocument/2006/relationships" xmlns:p="http://schemas.openxmlformats.org/presentationml/2006/main">
+  <p:cSld>
+    <p:spTree>
+      <p:nvGrpSpPr>
+        <p:cNvPr id="1" name=""/>
+        <p:cNvGrpSpPr/>
+        <p:nvPr/>
+      </p:nvGrpSpPr>
+      <p:grpSpPr>
+        <a:xfrm>
+          <a:off x="0" y="0"/>
+          <a:ext cx="0" cy="0"/>
+          <a:chOff x="0" y="0"/>
+          <a:chExt cx="0" cy="0"/>
+        </a:xfrm>
+      </p:grpSpPr>
+      <p:sp>
+        <p:nvSpPr>
+          <p:cNvPr id="2" name="Title 1">
+            <a:extLst>
+              <a:ext uri="{FF2B5EF4-FFF2-40B4-BE49-F238E27FC236}">
+                <a16:creationId xmlns:a16="http://schemas.microsoft.com/office/drawing/2014/main" id="{2DB8854D-7598-190D-BBB5-33A192C9D889}"/>
+              </a:ext>
+            </a:extLst>
+          </p:cNvPr>
+          <p:cNvSpPr>
+            <a:spLocks noGrp="1"/>
+          </p:cNvSpPr>
+          <p:nvPr>
+            <p:ph type="title"/>
+          </p:nvPr>
+        </p:nvSpPr>
+        <p:spPr>
+          <a:xfrm>
+            <a:off x="838200" y="365126"/>
+            <a:ext cx="10515600" cy="315912"/>
+          </a:xfrm>
+        </p:spPr>
+        <p:txBody>
+          <a:bodyPr>
+            <a:noAutofit/>
+          </a:bodyPr>
+          <a:lstStyle/>
+          <a:p>
+            <a:r>
+              <a:rPr lang="en-US" sz="2000" b="1" dirty="0">
+                <a:latin typeface="+mn-lt"/>
+              </a:rPr>
+              <a:t>Analysis-Purpose vs Loan Status</a:t>
+            </a:r>
+          </a:p>
+        </p:txBody>
+      </p:sp>
+      <p:sp>
+        <p:nvSpPr>
+          <p:cNvPr id="3" name="Content Placeholder 2">
+            <a:extLst>
+              <a:ext uri="{FF2B5EF4-FFF2-40B4-BE49-F238E27FC236}">
+                <a16:creationId xmlns:a16="http://schemas.microsoft.com/office/drawing/2014/main" id="{5E214694-B4B5-874C-80F5-379A75305611}"/>
+              </a:ext>
+            </a:extLst>
+          </p:cNvPr>
+          <p:cNvSpPr>
+            <a:spLocks noGrp="1"/>
+          </p:cNvSpPr>
+          <p:nvPr>
+            <p:ph idx="1"/>
+          </p:nvPr>
+        </p:nvSpPr>
+        <p:spPr>
+          <a:xfrm>
+            <a:off x="740748" y="1188062"/>
+            <a:ext cx="10515600" cy="4351338"/>
+          </a:xfrm>
+        </p:spPr>
+        <p:txBody>
+          <a:bodyPr/>
+          <a:lstStyle/>
+          <a:p>
+            <a:endParaRPr lang="en-US" sz="2000" dirty="0"/>
+          </a:p>
+          <a:p>
+            <a:endParaRPr lang="en-US" sz="2000" dirty="0"/>
+          </a:p>
+          <a:p>
+            <a:endParaRPr lang="en-US" dirty="0"/>
+          </a:p>
+        </p:txBody>
+      </p:sp>
+      <p:sp>
+        <p:nvSpPr>
+          <p:cNvPr id="8" name="TextBox 7">
+            <a:extLst>
+              <a:ext uri="{FF2B5EF4-FFF2-40B4-BE49-F238E27FC236}">
+                <a16:creationId xmlns:a16="http://schemas.microsoft.com/office/drawing/2014/main" id="{20496670-6825-8514-F96D-F6756AA987C4}"/>
+              </a:ext>
+            </a:extLst>
+          </p:cNvPr>
+          <p:cNvSpPr txBox="1"/>
+          <p:nvPr/>
+        </p:nvSpPr>
+        <p:spPr>
+          <a:xfrm>
+            <a:off x="482833" y="5342817"/>
+            <a:ext cx="11379200" cy="923330"/>
+          </a:xfrm>
+          <a:prstGeom prst="rect">
+            <a:avLst/>
+          </a:prstGeom>
+          <a:noFill/>
+        </p:spPr>
+        <p:txBody>
+          <a:bodyPr wrap="square" rtlCol="0">
+            <a:spAutoFit/>
+          </a:bodyPr>
+          <a:lstStyle/>
+          <a:p>
+            <a:pPr marL="285750" indent="-285750">
+              <a:buFont typeface="Arial" panose="020B0604020202020204" pitchFamily="34" charset="0"/>
+              <a:buChar char="•"/>
+            </a:pPr>
+            <a:r>
+              <a:rPr lang="en-US" b="0" i="0" dirty="0">
+                <a:effectLst/>
+              </a:rPr>
+              <a:t>There is around 20% chance of loan default in each home ownership category.</a:t>
+            </a:r>
+          </a:p>
+          <a:p>
+            <a:pPr marL="285750" indent="-285750">
+              <a:buFont typeface="Arial" panose="020B0604020202020204" pitchFamily="34" charset="0"/>
+              <a:buChar char="•"/>
+            </a:pPr>
+            <a:r>
+              <a:rPr lang="en-US" b="0" i="0" dirty="0">
+                <a:effectLst/>
+              </a:rPr>
+              <a:t>From the 2nd plot we can see the people with higher loan amounts in mortgage home ownership has</a:t>
+            </a:r>
+          </a:p>
+          <a:p>
+            <a:r>
+              <a:rPr lang="en-US" b="0" i="0" dirty="0">
+                <a:effectLst/>
+              </a:rPr>
+              <a:t>     high default rate than others</a:t>
+            </a:r>
+            <a:endParaRPr lang="en-US" dirty="0"/>
+          </a:p>
+        </p:txBody>
+      </p:sp>
+      <p:pic>
+        <p:nvPicPr>
+          <p:cNvPr id="5" name="Picture 4">
+            <a:extLst>
+              <a:ext uri="{FF2B5EF4-FFF2-40B4-BE49-F238E27FC236}">
+                <a16:creationId xmlns:a16="http://schemas.microsoft.com/office/drawing/2014/main" id="{D05918DE-1A53-CB8E-8060-60C5C755D39E}"/>
+              </a:ext>
+            </a:extLst>
+          </p:cNvPr>
+          <p:cNvPicPr>
+            <a:picLocks noChangeAspect="1"/>
+          </p:cNvPicPr>
+          <p:nvPr/>
+        </p:nvPicPr>
+        <p:blipFill>
+          <a:blip r:embed="rId2"/>
+          <a:stretch>
+            <a:fillRect/>
+          </a:stretch>
+        </p:blipFill>
+        <p:spPr>
+          <a:xfrm>
+            <a:off x="838200" y="1069759"/>
+            <a:ext cx="5236610" cy="3884337"/>
+          </a:xfrm>
+          <a:prstGeom prst="rect">
+            <a:avLst/>
+          </a:prstGeom>
+        </p:spPr>
+      </p:pic>
+      <p:pic>
+        <p:nvPicPr>
+          <p:cNvPr id="9" name="Picture 8">
+            <a:extLst>
+              <a:ext uri="{FF2B5EF4-FFF2-40B4-BE49-F238E27FC236}">
+                <a16:creationId xmlns:a16="http://schemas.microsoft.com/office/drawing/2014/main" id="{7C30F71D-D157-9CD5-E1BB-481667168884}"/>
+              </a:ext>
+            </a:extLst>
+          </p:cNvPr>
+          <p:cNvPicPr>
+            <a:picLocks noChangeAspect="1"/>
+          </p:cNvPicPr>
+          <p:nvPr/>
+        </p:nvPicPr>
+        <p:blipFill>
+          <a:blip r:embed="rId3"/>
+          <a:stretch>
+            <a:fillRect/>
+          </a:stretch>
+        </p:blipFill>
+        <p:spPr>
+          <a:xfrm>
+            <a:off x="5242114" y="1069759"/>
+            <a:ext cx="5667375" cy="3884337"/>
+          </a:xfrm>
+          <a:prstGeom prst="rect">
+            <a:avLst/>
+          </a:prstGeom>
+        </p:spPr>
+      </p:pic>
+    </p:spTree>
+    <p:extLst>
+      <p:ext uri="{BB962C8B-B14F-4D97-AF65-F5344CB8AC3E}">
+        <p14:creationId xmlns:p14="http://schemas.microsoft.com/office/powerpoint/2010/main" val="175261434"/>
+      </p:ext>
+    </p:extLst>
+  </p:cSld>
+  <p:clrMapOvr>
+    <a:masterClrMapping/>
+  </p:clrMapOvr>
+</p:sld>
+</file>
+
+<file path=ppt/slides/slide14.xml><?xml version="1.0" encoding="utf-8"?>
+<p:sld xmlns:a="http://schemas.openxmlformats.org/drawingml/2006/main" xmlns:r="http://schemas.openxmlformats.org/officeDocument/2006/relationships" xmlns:p="http://schemas.openxmlformats.org/presentationml/2006/main">
+  <p:cSld>
+    <p:spTree>
+      <p:nvGrpSpPr>
+        <p:cNvPr id="1" name=""/>
+        <p:cNvGrpSpPr/>
+        <p:nvPr/>
+      </p:nvGrpSpPr>
+      <p:grpSpPr>
+        <a:xfrm>
+          <a:off x="0" y="0"/>
+          <a:ext cx="0" cy="0"/>
+          <a:chOff x="0" y="0"/>
+          <a:chExt cx="0" cy="0"/>
+        </a:xfrm>
+      </p:grpSpPr>
+      <p:sp>
+        <p:nvSpPr>
+          <p:cNvPr id="2" name="Title 1">
+            <a:extLst>
+              <a:ext uri="{FF2B5EF4-FFF2-40B4-BE49-F238E27FC236}">
                 <a16:creationId xmlns:a16="http://schemas.microsoft.com/office/drawing/2014/main" id="{FBAF1ACA-C322-D44E-F598-C73F1596AE95}"/>
               </a:ext>
             </a:extLst>
@@ -3918,7 +4428,7 @@
 </p:sld>
 </file>
 
-<file path=ppt/slides/slide12.xml><?xml version="1.0" encoding="utf-8"?>
+<file path=ppt/slides/slide15.xml><?xml version="1.0" encoding="utf-8"?>
 <p:sld xmlns:a="http://schemas.openxmlformats.org/drawingml/2006/main" xmlns:r="http://schemas.openxmlformats.org/officeDocument/2006/relationships" xmlns:p="http://schemas.openxmlformats.org/presentationml/2006/main">
   <p:cSld>
     <p:spTree>
@@ -4116,7 +4626,7 @@
                 <a:latin typeface="+mn-lt"/>
                 <a:ea typeface="Adobe Heiti Std R" panose="020B0400000000000000" pitchFamily="34" charset="-128"/>
               </a:rPr>
-              <a:t>Problem Statement</a:t>
+              <a:t>Problem Statement:</a:t>
             </a:r>
           </a:p>
         </p:txBody>
@@ -4149,24 +4659,29 @@
           </a:bodyPr>
           <a:lstStyle/>
           <a:p>
-            <a:pPr marL="0" indent="0">
-              <a:buNone/>
+            <a:r>
+              <a:rPr lang="en-US" sz="1600" dirty="0"/>
+              <a:t>The objective is to find patterns in loan default behavior through Exploratory Data Analysis (EDA). Two key risks in loan approval are:</a:t>
+            </a:r>
+          </a:p>
+          <a:p>
+            <a:pPr>
+              <a:buFont typeface="Arial" panose="020B0604020202020204" pitchFamily="34" charset="0"/>
+              <a:buChar char="•"/>
             </a:pPr>
             <a:r>
               <a:rPr lang="en-US" sz="1600" dirty="0"/>
-              <a:t>The task is to identify patterns in loan default behavior using EDA. Two risks are involved in loan approval:</a:t>
-            </a:r>
-          </a:p>
-          <a:p>
+              <a:t>Loss of business when a loan that could be repaid is denied.</a:t>
+            </a:r>
+          </a:p>
+          <a:p>
+            <a:pPr>
+              <a:buFont typeface="Arial" panose="020B0604020202020204" pitchFamily="34" charset="0"/>
+              <a:buChar char="•"/>
+            </a:pPr>
             <a:r>
               <a:rPr lang="en-US" sz="1600" dirty="0"/>
-              <a:t>Loss of business if a repayable loan is denied.</a:t>
-            </a:r>
-          </a:p>
-          <a:p>
-            <a:r>
-              <a:rPr lang="en-US" sz="1600" dirty="0"/>
-              <a:t>Financial loss if a defaulting loan is approved</a:t>
+              <a:t>Financial loss when a loan is granted to a borrower who defaults.</a:t>
             </a:r>
           </a:p>
         </p:txBody>
@@ -4187,7 +4702,7 @@
         </p:nvSpPr>
         <p:spPr>
           <a:xfrm>
-            <a:off x="838200" y="1889460"/>
+            <a:off x="838200" y="1969362"/>
             <a:ext cx="10515600" cy="917270"/>
           </a:xfrm>
           <a:prstGeom prst="rect">
@@ -4223,7 +4738,7 @@
                 <a:latin typeface="+mn-lt"/>
                 <a:ea typeface="Adobe Heiti Std R" panose="020B0400000000000000" pitchFamily="34" charset="-128"/>
               </a:rPr>
-              <a:t>Business Understanding</a:t>
+              <a:t>Business Understanding:</a:t>
             </a:r>
           </a:p>
         </p:txBody>
@@ -4244,7 +4759,7 @@
         </p:nvSpPr>
         <p:spPr>
           <a:xfrm>
-            <a:off x="838200" y="2615806"/>
+            <a:off x="838200" y="2695708"/>
             <a:ext cx="10515600" cy="2258103"/>
           </a:xfrm>
           <a:prstGeom prst="rect">
@@ -4421,26 +4936,31 @@
           </a:lstStyle>
           <a:p>
             <a:pPr marL="0" indent="0">
-              <a:lnSpc>
-                <a:spcPct val="100000"/>
-              </a:lnSpc>
               <a:buNone/>
             </a:pPr>
             <a:r>
               <a:rPr lang="en-US" sz="1600" dirty="0"/>
-              <a:t>Lending companies face two types of risks:</a:t>
-            </a:r>
-          </a:p>
-          <a:p>
+              <a:t>Lending companies encounter two main types of risks:</a:t>
+            </a:r>
+          </a:p>
+          <a:p>
+            <a:pPr>
+              <a:buFont typeface="Arial" panose="020B0604020202020204" pitchFamily="34" charset="0"/>
+              <a:buChar char="•"/>
+            </a:pPr>
             <a:r>
               <a:rPr lang="en-US" sz="1600" dirty="0"/>
-              <a:t> Loan accepted: Three scenarios: fully paid, current, or charged-off (defaulted).</a:t>
-            </a:r>
-          </a:p>
-          <a:p>
+              <a:t>Loan Accepted: There are three possible outcomes—fully paid, currently active, or charged-off (defaulted).</a:t>
+            </a:r>
+          </a:p>
+          <a:p>
+            <a:pPr>
+              <a:buFont typeface="Arial" panose="020B0604020202020204" pitchFamily="34" charset="0"/>
+              <a:buChar char="•"/>
+            </a:pPr>
             <a:r>
               <a:rPr lang="en-US" sz="1600" dirty="0"/>
-              <a:t> Loan rejected: No transactional history of rejected applicants is available in the dataset.</a:t>
+              <a:t>Loan Rejected: The dataset lacks transactional history for applicants whose loans were rejected.</a:t>
             </a:r>
           </a:p>
           <a:p>
@@ -4497,7 +5017,7 @@
                 <a:latin typeface="+mn-lt"/>
                 <a:ea typeface="Adobe Heiti Std R" panose="020B0400000000000000" pitchFamily="34" charset="-128"/>
               </a:rPr>
-              <a:t>Business Objective</a:t>
+              <a:t>Business Objective:</a:t>
             </a:r>
           </a:p>
         </p:txBody>
@@ -4699,7 +5219,7 @@
             </a:pPr>
             <a:r>
               <a:rPr lang="en-US" sz="1600" dirty="0"/>
-              <a:t>The aim is to minimize credit loss by identifying risky applicants and defaulters using EDA. The focus is on recognizing the driving factors behind loan default and preventing financial losses.</a:t>
+              <a:t>The goal is to reduce credit losses by identifying high-risk applicants and potential defaulters through EDA. The emphasis is on understanding the key factors that lead to loan defaults and mitigating financial losses.</a:t>
             </a:r>
           </a:p>
           <a:p>
@@ -4798,7 +5318,9 @@
           </a:xfrm>
         </p:spPr>
         <p:txBody>
-          <a:bodyPr/>
+          <a:bodyPr>
+            <a:normAutofit/>
+          </a:bodyPr>
           <a:lstStyle/>
           <a:p>
             <a:pPr marL="0" indent="0">
@@ -4806,32 +5328,59 @@
             </a:pPr>
             <a:r>
               <a:rPr lang="en-US" sz="1600" dirty="0"/>
-              <a:t>When a loan is accepted, three possible outcomes:</a:t>
-            </a:r>
-          </a:p>
-          <a:p>
+              <a:t>When a loan is approved, there are three possible outcomes:</a:t>
+            </a:r>
+          </a:p>
+          <a:p>
+            <a:pPr>
+              <a:buFont typeface="Arial" panose="020B0604020202020204" pitchFamily="34" charset="0"/>
+              <a:buChar char="•"/>
+            </a:pPr>
+            <a:r>
+              <a:rPr lang="en-US" sz="1600" b="1" dirty="0"/>
+              <a:t>Fully Paid</a:t>
+            </a:r>
             <a:r>
               <a:rPr lang="en-US" sz="1600" dirty="0"/>
-              <a:t>Fully Paid: The loan is fully paid.</a:t>
-            </a:r>
-          </a:p>
-          <a:p>
+              <a:t>: The loan has been completely repaid.</a:t>
+            </a:r>
+          </a:p>
+          <a:p>
+            <a:pPr>
+              <a:buFont typeface="Arial" panose="020B0604020202020204" pitchFamily="34" charset="0"/>
+              <a:buChar char="•"/>
+            </a:pPr>
+            <a:r>
+              <a:rPr lang="en-US" sz="1600" b="1" dirty="0"/>
+              <a:t>Current</a:t>
+            </a:r>
             <a:r>
               <a:rPr lang="en-US" sz="1600" dirty="0"/>
-              <a:t>Current: The loan is still being paid.</a:t>
-            </a:r>
-          </a:p>
-          <a:p>
+              <a:t>: The loan is still in the process of being repaid.</a:t>
+            </a:r>
+          </a:p>
+          <a:p>
+            <a:pPr>
+              <a:buFont typeface="Arial" panose="020B0604020202020204" pitchFamily="34" charset="0"/>
+              <a:buChar char="•"/>
+            </a:pPr>
+            <a:r>
+              <a:rPr lang="en-US" sz="1600" b="1" dirty="0"/>
+              <a:t>Charged-Off</a:t>
+            </a:r>
             <a:r>
               <a:rPr lang="en-US" sz="1600" dirty="0"/>
-              <a:t>Charged-Off: The loan is defaulted.</a:t>
+              <a:t>: The loan has defaulted.</a:t>
             </a:r>
           </a:p>
           <a:p>
             <a:endParaRPr lang="en-US" sz="1800" dirty="0"/>
           </a:p>
           <a:p>
-            <a:endParaRPr lang="en-US" sz="1800" dirty="0"/>
+            <a:endParaRPr lang="en-US" sz="2000" dirty="0"/>
+          </a:p>
+          <a:p>
+            <a:endParaRPr lang="en-US" sz="2000" dirty="0"/>
           </a:p>
         </p:txBody>
       </p:sp>
@@ -5084,22 +5633,36 @@
             </a:lvl9pPr>
           </a:lstStyle>
           <a:p>
+            <a:pPr marL="0" indent="0">
+              <a:buNone/>
+            </a:pPr>
             <a:r>
               <a:rPr lang="en-US" sz="1600" dirty="0"/>
-              <a:t>Using EDA, we will explore the dataset to uncover insights about:</a:t>
-            </a:r>
-          </a:p>
-          <a:p>
+              <a:t>Through EDA, we will analyze the dataset to gain insights into:</a:t>
+            </a:r>
+          </a:p>
+          <a:p>
+            <a:pPr>
+              <a:buFont typeface="Arial" panose="020B0604020202020204" pitchFamily="34" charset="0"/>
+              <a:buChar char="•"/>
+            </a:pPr>
             <a:r>
               <a:rPr lang="en-US" sz="1600" dirty="0"/>
-              <a:t> Consumer attributes.</a:t>
-            </a:r>
-          </a:p>
-          <a:p>
+              <a:t>Consumer attributes.</a:t>
+            </a:r>
+          </a:p>
+          <a:p>
+            <a:pPr>
+              <a:buFont typeface="Arial" panose="020B0604020202020204" pitchFamily="34" charset="0"/>
+              <a:buChar char="•"/>
+            </a:pPr>
             <a:r>
               <a:rPr lang="en-US" sz="1600" dirty="0"/>
-              <a:t>Loan characteristics that influence default risk.</a:t>
-            </a:r>
+              <a:t>Loan characteristics that impact the risk of default.</a:t>
+            </a:r>
+          </a:p>
+          <a:p>
+            <a:endParaRPr lang="en-US" sz="1600" dirty="0"/>
           </a:p>
           <a:p>
             <a:endParaRPr lang="en-US" sz="1600" dirty="0"/>
@@ -5182,7 +5745,7 @@
         <p:spPr>
           <a:xfrm>
             <a:off x="838200" y="2942500"/>
-            <a:ext cx="10515600" cy="4351338"/>
+            <a:ext cx="10515600" cy="1070207"/>
           </a:xfrm>
           <a:prstGeom prst="rect">
             <a:avLst/>
@@ -5358,18 +5921,29 @@
           </a:lstStyle>
           <a:p>
             <a:pPr marL="0" indent="0">
+              <a:buNone/>
+            </a:pPr>
+            <a:r>
+              <a:rPr lang="en-US" sz="1800" dirty="0"/>
+              <a:t>Dataset</a:t>
+            </a:r>
+            <a:r>
+              <a:rPr lang="en-US" sz="1600" dirty="0"/>
+              <a:t> Overview:</a:t>
+            </a:r>
+          </a:p>
+          <a:p>
+            <a:pPr>
               <a:buFont typeface="Arial" panose="020B0604020202020204" pitchFamily="34" charset="0"/>
-              <a:buNone/>
+              <a:buChar char="•"/>
             </a:pPr>
             <a:r>
+              <a:rPr lang="en-US" sz="1600" b="1" dirty="0"/>
+              <a:t>Key Variables</a:t>
+            </a:r>
+            <a:r>
               <a:rPr lang="en-US" sz="1600" dirty="0"/>
-              <a:t>Dataset Overview:</a:t>
-            </a:r>
-          </a:p>
-          <a:p>
-            <a:r>
-              <a:rPr lang="en-US" sz="1600" dirty="0"/>
-              <a:t> Key driver variables: </a:t>
+              <a:t>: Includes </a:t>
             </a:r>
             <a:r>
               <a:rPr lang="en-US" sz="1600" dirty="0" err="1"/>
@@ -5377,7 +5951,7 @@
             </a:r>
             <a:r>
               <a:rPr lang="en-US" sz="1600" dirty="0"/>
-              <a:t> ,</a:t>
+              <a:t>, </a:t>
             </a:r>
             <a:r>
               <a:rPr lang="en-US" sz="1600" dirty="0" err="1"/>
@@ -5401,13 +5975,21 @@
             </a:r>
             <a:r>
               <a:rPr lang="en-US" sz="1600" dirty="0"/>
-              <a:t>,</a:t>
-            </a:r>
-          </a:p>
-          <a:p>
+              <a:t>.</a:t>
+            </a:r>
+          </a:p>
+          <a:p>
+            <a:pPr>
+              <a:buFont typeface="Arial" panose="020B0604020202020204" pitchFamily="34" charset="0"/>
+              <a:buChar char="•"/>
+            </a:pPr>
+            <a:r>
+              <a:rPr lang="en-US" sz="1600" b="1" dirty="0"/>
+              <a:t>Target Variable</a:t>
+            </a:r>
             <a:r>
               <a:rPr lang="en-US" sz="1600" dirty="0"/>
-              <a:t> Target variable: </a:t>
+              <a:t>: </a:t>
             </a:r>
             <a:r>
               <a:rPr lang="en-US" sz="1600" dirty="0" err="1"/>
@@ -5415,8 +5997,11 @@
             </a:r>
             <a:r>
               <a:rPr lang="en-US" sz="1600" dirty="0"/>
-              <a:t> (fully paid, charged-off).</a:t>
-            </a:r>
+              <a:t>, which indicates whether a loan is fully paid or charged-off.</a:t>
+            </a:r>
+          </a:p>
+          <a:p>
+            <a:endParaRPr lang="en-US" sz="2400" dirty="0"/>
           </a:p>
           <a:p>
             <a:endParaRPr lang="en-US" sz="1600" dirty="0"/>
@@ -5485,7 +6070,7 @@
               <a:rPr lang="en-US" sz="2000" b="1" dirty="0">
                 <a:latin typeface="+mn-lt"/>
               </a:rPr>
-              <a:t>Analysis- Issued Year, Month</a:t>
+              <a:t>Loan Amount Distribution</a:t>
             </a:r>
           </a:p>
         </p:txBody>
@@ -5526,12 +6111,47 @@
           </a:p>
         </p:txBody>
       </p:sp>
+      <p:sp>
+        <p:nvSpPr>
+          <p:cNvPr id="10" name="TextBox 9">
+            <a:extLst>
+              <a:ext uri="{FF2B5EF4-FFF2-40B4-BE49-F238E27FC236}">
+                <a16:creationId xmlns:a16="http://schemas.microsoft.com/office/drawing/2014/main" id="{128395FB-8A44-A072-FC45-598F4363C598}"/>
+              </a:ext>
+            </a:extLst>
+          </p:cNvPr>
+          <p:cNvSpPr txBox="1"/>
+          <p:nvPr/>
+        </p:nvSpPr>
+        <p:spPr>
+          <a:xfrm>
+            <a:off x="611034" y="5753100"/>
+            <a:ext cx="11111346" cy="369332"/>
+          </a:xfrm>
+          <a:prstGeom prst="rect">
+            <a:avLst/>
+          </a:prstGeom>
+          <a:noFill/>
+        </p:spPr>
+        <p:txBody>
+          <a:bodyPr wrap="square" rtlCol="0">
+            <a:spAutoFit/>
+          </a:bodyPr>
+          <a:lstStyle/>
+          <a:p>
+            <a:r>
+              <a:rPr lang="en-US" dirty="0"/>
+              <a:t>Distribution of the loan amount using Histogram and Boxplot</a:t>
+            </a:r>
+          </a:p>
+        </p:txBody>
+      </p:sp>
       <p:pic>
         <p:nvPicPr>
-          <p:cNvPr id="9" name="Picture 8">
-            <a:extLst>
-              <a:ext uri="{FF2B5EF4-FFF2-40B4-BE49-F238E27FC236}">
-                <a16:creationId xmlns:a16="http://schemas.microsoft.com/office/drawing/2014/main" id="{2F89741B-95B2-8320-876E-FB474875130C}"/>
+          <p:cNvPr id="5" name="Picture 4">
+            <a:extLst>
+              <a:ext uri="{FF2B5EF4-FFF2-40B4-BE49-F238E27FC236}">
+                <a16:creationId xmlns:a16="http://schemas.microsoft.com/office/drawing/2014/main" id="{7A83A179-C892-3506-432A-AC189F94C4BD}"/>
               </a:ext>
             </a:extLst>
           </p:cNvPr>
@@ -5548,52 +6168,14 @@
         </p:blipFill>
         <p:spPr>
           <a:xfrm>
-            <a:off x="338137" y="1714500"/>
-            <a:ext cx="11515725" cy="3429000"/>
+            <a:off x="95250" y="1104900"/>
+            <a:ext cx="12001500" cy="4648200"/>
           </a:xfrm>
           <a:prstGeom prst="rect">
             <a:avLst/>
           </a:prstGeom>
         </p:spPr>
       </p:pic>
-      <p:sp>
-        <p:nvSpPr>
-          <p:cNvPr id="10" name="TextBox 9">
-            <a:extLst>
-              <a:ext uri="{FF2B5EF4-FFF2-40B4-BE49-F238E27FC236}">
-                <a16:creationId xmlns:a16="http://schemas.microsoft.com/office/drawing/2014/main" id="{128395FB-8A44-A072-FC45-598F4363C598}"/>
-              </a:ext>
-            </a:extLst>
-          </p:cNvPr>
-          <p:cNvSpPr txBox="1"/>
-          <p:nvPr/>
-        </p:nvSpPr>
-        <p:spPr>
-          <a:xfrm>
-            <a:off x="646545" y="5421745"/>
-            <a:ext cx="11111346" cy="646331"/>
-          </a:xfrm>
-          <a:prstGeom prst="rect">
-            <a:avLst/>
-          </a:prstGeom>
-          <a:noFill/>
-        </p:spPr>
-        <p:txBody>
-          <a:bodyPr wrap="square" rtlCol="0">
-            <a:spAutoFit/>
-          </a:bodyPr>
-          <a:lstStyle/>
-          <a:p>
-            <a:r>
-              <a:rPr lang="en-US" b="0" i="0" dirty="0">
-                <a:effectLst/>
-              </a:rPr>
-              <a:t>Lending Club (LC) has been doubling its loan issuance each year. Additionally, there is a spike in loan issues during the last three months of the year—October, November, and December.</a:t>
-            </a:r>
-            <a:endParaRPr lang="en-US" dirty="0"/>
-          </a:p>
-        </p:txBody>
-      </p:sp>
     </p:spTree>
     <p:extLst>
       <p:ext uri="{BB962C8B-B14F-4D97-AF65-F5344CB8AC3E}">
@@ -5656,7 +6238,7 @@
               <a:rPr lang="en-US" sz="2000" b="1" dirty="0">
                 <a:latin typeface="+mn-lt"/>
               </a:rPr>
-              <a:t>Analysis- Term, Loan Status</a:t>
+              <a:t>Analysis- Issued Year, Month</a:t>
             </a:r>
           </a:p>
         </p:txBody>
@@ -5697,12 +6279,54 @@
           </a:p>
         </p:txBody>
       </p:sp>
+      <p:sp>
+        <p:nvSpPr>
+          <p:cNvPr id="10" name="TextBox 9">
+            <a:extLst>
+              <a:ext uri="{FF2B5EF4-FFF2-40B4-BE49-F238E27FC236}">
+                <a16:creationId xmlns:a16="http://schemas.microsoft.com/office/drawing/2014/main" id="{128395FB-8A44-A072-FC45-598F4363C598}"/>
+              </a:ext>
+            </a:extLst>
+          </p:cNvPr>
+          <p:cNvSpPr txBox="1"/>
+          <p:nvPr/>
+        </p:nvSpPr>
+        <p:spPr>
+          <a:xfrm>
+            <a:off x="434109" y="1442621"/>
+            <a:ext cx="3765029" cy="1754326"/>
+          </a:xfrm>
+          <a:prstGeom prst="rect">
+            <a:avLst/>
+          </a:prstGeom>
+          <a:noFill/>
+        </p:spPr>
+        <p:txBody>
+          <a:bodyPr wrap="square" rtlCol="0">
+            <a:spAutoFit/>
+          </a:bodyPr>
+          <a:lstStyle/>
+          <a:p>
+            <a:r>
+              <a:rPr lang="en-US" b="0" i="0" dirty="0">
+                <a:solidFill>
+                  <a:srgbClr val="111111"/>
+                </a:solidFill>
+                <a:effectLst/>
+                <a:latin typeface="-apple-system"/>
+              </a:rPr>
+              <a:t>Lending Club (LC) has been increasing its loan issuance annually. Moreover, there is a surge in loan issuances during the final quarter of the year, specifically in October, November, and December.</a:t>
+            </a:r>
+            <a:endParaRPr lang="en-US" dirty="0"/>
+          </a:p>
+        </p:txBody>
+      </p:sp>
       <p:pic>
         <p:nvPicPr>
-          <p:cNvPr id="6" name="Picture 5">
-            <a:extLst>
-              <a:ext uri="{FF2B5EF4-FFF2-40B4-BE49-F238E27FC236}">
-                <a16:creationId xmlns:a16="http://schemas.microsoft.com/office/drawing/2014/main" id="{369BD767-2CD4-B1EF-294B-E36EBFAFD4F4}"/>
+          <p:cNvPr id="5" name="Picture 4">
+            <a:extLst>
+              <a:ext uri="{FF2B5EF4-FFF2-40B4-BE49-F238E27FC236}">
+                <a16:creationId xmlns:a16="http://schemas.microsoft.com/office/drawing/2014/main" id="{E726A483-93C6-A873-74B3-993CDC60D47E}"/>
               </a:ext>
             </a:extLst>
           </p:cNvPr>
@@ -5719,59 +6343,18 @@
         </p:blipFill>
         <p:spPr>
           <a:xfrm>
-            <a:off x="197867" y="1314556"/>
-            <a:ext cx="11858296" cy="4351338"/>
+            <a:off x="4114608" y="932155"/>
+            <a:ext cx="7643283" cy="4489590"/>
           </a:xfrm>
           <a:prstGeom prst="rect">
             <a:avLst/>
           </a:prstGeom>
         </p:spPr>
       </p:pic>
-      <p:sp>
-        <p:nvSpPr>
-          <p:cNvPr id="8" name="TextBox 7">
-            <a:extLst>
-              <a:ext uri="{FF2B5EF4-FFF2-40B4-BE49-F238E27FC236}">
-                <a16:creationId xmlns:a16="http://schemas.microsoft.com/office/drawing/2014/main" id="{20496670-6825-8514-F96D-F6756AA987C4}"/>
-              </a:ext>
-            </a:extLst>
-          </p:cNvPr>
-          <p:cNvSpPr txBox="1"/>
-          <p:nvPr/>
-        </p:nvSpPr>
-        <p:spPr>
-          <a:xfrm>
-            <a:off x="508000" y="5665894"/>
-            <a:ext cx="11379200" cy="646331"/>
-          </a:xfrm>
-          <a:prstGeom prst="rect">
-            <a:avLst/>
-          </a:prstGeom>
-          <a:noFill/>
-        </p:spPr>
-        <p:txBody>
-          <a:bodyPr wrap="square" rtlCol="0">
-            <a:spAutoFit/>
-          </a:bodyPr>
-          <a:lstStyle/>
-          <a:p>
-            <a:r>
-              <a:rPr lang="en-US" dirty="0"/>
-              <a:t>Around 75% borrowers took loans with 36 months term</a:t>
-            </a:r>
-          </a:p>
-          <a:p>
-            <a:r>
-              <a:rPr lang="en-US" dirty="0"/>
-              <a:t>The charged off borrowers are around 15% and fully paid is around 85%</a:t>
-            </a:r>
-          </a:p>
-        </p:txBody>
-      </p:sp>
     </p:spTree>
     <p:extLst>
       <p:ext uri="{BB962C8B-B14F-4D97-AF65-F5344CB8AC3E}">
-        <p14:creationId xmlns:p14="http://schemas.microsoft.com/office/powerpoint/2010/main" val="2792058553"/>
+        <p14:creationId xmlns:p14="http://schemas.microsoft.com/office/powerpoint/2010/main" val="3211056959"/>
       </p:ext>
     </p:extLst>
   </p:cSld>
@@ -5830,7 +6413,7 @@
               <a:rPr lang="en-US" sz="2000" b="1" dirty="0">
                 <a:latin typeface="+mn-lt"/>
               </a:rPr>
-              <a:t>Analysis- Loan Status, Interest rate</a:t>
+              <a:t>Loan Grade Distribution</a:t>
             </a:r>
           </a:p>
         </p:txBody>
@@ -5900,9 +6483,16 @@
           <a:lstStyle/>
           <a:p>
             <a:r>
-              <a:rPr lang="en-US" dirty="0"/>
-              <a:t>Charged-off loans have higher amounts compared to fully paid loans.</a:t>
-            </a:r>
+              <a:rPr lang="en-US" b="0" i="0" dirty="0">
+                <a:solidFill>
+                  <a:srgbClr val="111111"/>
+                </a:solidFill>
+                <a:effectLst/>
+                <a:latin typeface="-apple-system"/>
+              </a:rPr>
+              <a:t>Most of the loans are classified as Grade B and A.</a:t>
+            </a:r>
+            <a:endParaRPr lang="en-US" dirty="0"/>
           </a:p>
         </p:txBody>
       </p:sp>
@@ -5911,7 +6501,7 @@
           <p:cNvPr id="5" name="Picture 4">
             <a:extLst>
               <a:ext uri="{FF2B5EF4-FFF2-40B4-BE49-F238E27FC236}">
-                <a16:creationId xmlns:a16="http://schemas.microsoft.com/office/drawing/2014/main" id="{841E3731-E864-50F6-447C-7AD111FA77C8}"/>
+                <a16:creationId xmlns:a16="http://schemas.microsoft.com/office/drawing/2014/main" id="{74C9F438-C57F-740B-E1D9-15D44AA4A777}"/>
               </a:ext>
             </a:extLst>
           </p:cNvPr>
@@ -5928,8 +6518,8 @@
         </p:blipFill>
         <p:spPr>
           <a:xfrm>
-            <a:off x="2905108" y="807532"/>
-            <a:ext cx="5500661" cy="4205848"/>
+            <a:off x="690562" y="1128712"/>
+            <a:ext cx="10810875" cy="4600575"/>
           </a:xfrm>
           <a:prstGeom prst="rect">
             <a:avLst/>
@@ -5939,7 +6529,7 @@
     </p:spTree>
     <p:extLst>
       <p:ext uri="{BB962C8B-B14F-4D97-AF65-F5344CB8AC3E}">
-        <p14:creationId xmlns:p14="http://schemas.microsoft.com/office/powerpoint/2010/main" val="982268529"/>
+        <p14:creationId xmlns:p14="http://schemas.microsoft.com/office/powerpoint/2010/main" val="2792058553"/>
       </p:ext>
     </p:extLst>
   </p:cSld>
@@ -5998,7 +6588,7 @@
               <a:rPr lang="en-US" sz="2000" b="1" dirty="0">
                 <a:latin typeface="+mn-lt"/>
               </a:rPr>
-              <a:t>Analysis- Term, Loan amount, Interest rate</a:t>
+              <a:t>Analysis of Term Vs Loan Status</a:t>
             </a:r>
           </a:p>
         </p:txBody>
@@ -6053,8 +6643,8 @@
         </p:nvSpPr>
         <p:spPr>
           <a:xfrm>
-            <a:off x="482833" y="5342817"/>
-            <a:ext cx="11379200" cy="923330"/>
+            <a:off x="508000" y="5665894"/>
+            <a:ext cx="11379200" cy="369332"/>
           </a:xfrm>
           <a:prstGeom prst="rect">
             <a:avLst/>
@@ -6067,33 +6657,26 @@
           </a:bodyPr>
           <a:lstStyle/>
           <a:p>
-            <a:pPr marL="285750" indent="-285750">
-              <a:buFont typeface="Arial" panose="020B0604020202020204" pitchFamily="34" charset="0"/>
-              <a:buChar char="•"/>
-            </a:pPr>
-            <a:r>
-              <a:rPr lang="en-US" dirty="0"/>
-              <a:t>Loan amount does not significantly influence defaults for either the 36-month or 60-month tenures. Borrowers are evenly distributed between default and non-default statuses across both loan tenures.</a:t>
-            </a:r>
-          </a:p>
-          <a:p>
-            <a:pPr marL="285750" indent="-285750">
-              <a:buFont typeface="Arial" panose="020B0604020202020204" pitchFamily="34" charset="0"/>
-              <a:buChar char="•"/>
-            </a:pPr>
-            <a:r>
-              <a:rPr lang="en-US" dirty="0"/>
-              <a:t>Higher interest rates are associated with a higher default rate for both 36-month and 60-month tenures.</a:t>
-            </a:r>
+            <a:r>
+              <a:rPr lang="en-US" b="0" i="0" dirty="0">
+                <a:solidFill>
+                  <a:srgbClr val="111111"/>
+                </a:solidFill>
+                <a:effectLst/>
+                <a:latin typeface="-apple-system"/>
+              </a:rPr>
+              <a:t>Approximately 75% of borrowers opted for loans with a 36-month term.</a:t>
+            </a:r>
+            <a:endParaRPr lang="en-US" dirty="0"/>
           </a:p>
         </p:txBody>
       </p:sp>
       <p:pic>
         <p:nvPicPr>
-          <p:cNvPr id="6" name="Picture 5">
-            <a:extLst>
-              <a:ext uri="{FF2B5EF4-FFF2-40B4-BE49-F238E27FC236}">
-                <a16:creationId xmlns:a16="http://schemas.microsoft.com/office/drawing/2014/main" id="{A13D4B47-3C64-75FF-E2F2-2D277179FCCB}"/>
+          <p:cNvPr id="5" name="Picture 4">
+            <a:extLst>
+              <a:ext uri="{FF2B5EF4-FFF2-40B4-BE49-F238E27FC236}">
+                <a16:creationId xmlns:a16="http://schemas.microsoft.com/office/drawing/2014/main" id="{1D814D72-EE5F-B52C-DDBB-09C956B11994}"/>
               </a:ext>
             </a:extLst>
           </p:cNvPr>
@@ -6110,38 +6693,8 @@
         </p:blipFill>
         <p:spPr>
           <a:xfrm>
-            <a:off x="235923" y="946120"/>
-            <a:ext cx="5690398" cy="3329588"/>
-          </a:xfrm>
-          <a:prstGeom prst="rect">
-            <a:avLst/>
-          </a:prstGeom>
-        </p:spPr>
-      </p:pic>
-      <p:pic>
-        <p:nvPicPr>
-          <p:cNvPr id="9" name="Picture 8">
-            <a:extLst>
-              <a:ext uri="{FF2B5EF4-FFF2-40B4-BE49-F238E27FC236}">
-                <a16:creationId xmlns:a16="http://schemas.microsoft.com/office/drawing/2014/main" id="{77667D57-0B43-F1F6-33B5-E566BB9D763B}"/>
-              </a:ext>
-            </a:extLst>
-          </p:cNvPr>
-          <p:cNvPicPr>
-            <a:picLocks noChangeAspect="1"/>
-          </p:cNvPicPr>
-          <p:nvPr/>
-        </p:nvPicPr>
-        <p:blipFill>
-          <a:blip r:embed="rId3"/>
-          <a:stretch>
-            <a:fillRect/>
-          </a:stretch>
-        </p:blipFill>
-        <p:spPr>
-          <a:xfrm>
-            <a:off x="5720129" y="954776"/>
-            <a:ext cx="5633671" cy="3320932"/>
+            <a:off x="1077695" y="780903"/>
+            <a:ext cx="7906507" cy="4821744"/>
           </a:xfrm>
           <a:prstGeom prst="rect">
             <a:avLst/>
@@ -6151,7 +6704,7 @@
     </p:spTree>
     <p:extLst>
       <p:ext uri="{BB962C8B-B14F-4D97-AF65-F5344CB8AC3E}">
-        <p14:creationId xmlns:p14="http://schemas.microsoft.com/office/powerpoint/2010/main" val="2810381104"/>
+        <p14:creationId xmlns:p14="http://schemas.microsoft.com/office/powerpoint/2010/main" val="779690189"/>
       </p:ext>
     </p:extLst>
   </p:cSld>
@@ -6210,7 +6763,7 @@
               <a:rPr lang="en-US" sz="2000" b="1" dirty="0">
                 <a:latin typeface="+mn-lt"/>
               </a:rPr>
-              <a:t>Analysis- Grade, Loan status, Interest rate</a:t>
+              <a:t>Analysis Of Loan Status Vs Interest rate</a:t>
             </a:r>
           </a:p>
         </p:txBody>
@@ -6265,8 +6818,8 @@
         </p:nvSpPr>
         <p:spPr>
           <a:xfrm>
-            <a:off x="482833" y="5342817"/>
-            <a:ext cx="11379200" cy="923330"/>
+            <a:off x="508000" y="5665894"/>
+            <a:ext cx="11379200" cy="369332"/>
           </a:xfrm>
           <a:prstGeom prst="rect">
             <a:avLst/>
@@ -6279,27 +6832,15 @@
           </a:bodyPr>
           <a:lstStyle/>
           <a:p>
-            <a:pPr marL="285750" indent="-285750">
-              <a:buFont typeface="Arial" panose="020B0604020202020204" pitchFamily="34" charset="0"/>
-              <a:buChar char="•"/>
-            </a:pPr>
             <a:r>
               <a:rPr lang="en-US" b="0" i="0" dirty="0">
+                <a:solidFill>
+                  <a:srgbClr val="111111"/>
+                </a:solidFill>
                 <a:effectLst/>
+                <a:latin typeface="-apple-system"/>
               </a:rPr>
-              <a:t>The graph clearly indicates that the number of charged-off loans increases as credit grades decrease. </a:t>
-            </a:r>
-          </a:p>
-          <a:p>
-            <a:pPr marL="285750" indent="-285750">
-              <a:buFont typeface="Arial" panose="020B0604020202020204" pitchFamily="34" charset="0"/>
-              <a:buChar char="•"/>
-            </a:pPr>
-            <a:r>
-              <a:rPr lang="en-US" b="0" i="0" dirty="0">
-                <a:effectLst/>
-              </a:rPr>
-              <a:t>As credit grades decrease, interest rates gradually increase, and borrowers with lower grades become more prone to defaulting on their loans.</a:t>
+              <a:t>The interest rate rises as the loan term increases.</a:t>
             </a:r>
             <a:endParaRPr lang="en-US" dirty="0"/>
           </a:p>
@@ -6307,10 +6848,10 @@
       </p:sp>
       <p:pic>
         <p:nvPicPr>
-          <p:cNvPr id="5" name="Picture 4">
-            <a:extLst>
-              <a:ext uri="{FF2B5EF4-FFF2-40B4-BE49-F238E27FC236}">
-                <a16:creationId xmlns:a16="http://schemas.microsoft.com/office/drawing/2014/main" id="{ECCD83B1-4E78-CDF7-C460-E2C6E84D9541}"/>
+          <p:cNvPr id="6" name="Picture 5">
+            <a:extLst>
+              <a:ext uri="{FF2B5EF4-FFF2-40B4-BE49-F238E27FC236}">
+                <a16:creationId xmlns:a16="http://schemas.microsoft.com/office/drawing/2014/main" id="{F21D26E4-FB46-6091-3BC0-8EADC8A915A1}"/>
               </a:ext>
             </a:extLst>
           </p:cNvPr>
@@ -6327,38 +6868,8 @@
         </p:blipFill>
         <p:spPr>
           <a:xfrm>
-            <a:off x="482833" y="1006159"/>
-            <a:ext cx="4443041" cy="3264410"/>
-          </a:xfrm>
-          <a:prstGeom prst="rect">
-            <a:avLst/>
-          </a:prstGeom>
-        </p:spPr>
-      </p:pic>
-      <p:pic>
-        <p:nvPicPr>
-          <p:cNvPr id="10" name="Picture 9">
-            <a:extLst>
-              <a:ext uri="{FF2B5EF4-FFF2-40B4-BE49-F238E27FC236}">
-                <a16:creationId xmlns:a16="http://schemas.microsoft.com/office/drawing/2014/main" id="{44E89E18-7606-D020-EDC4-4FD9B64034A5}"/>
-              </a:ext>
-            </a:extLst>
-          </p:cNvPr>
-          <p:cNvPicPr>
-            <a:picLocks noChangeAspect="1"/>
-          </p:cNvPicPr>
-          <p:nvPr/>
-        </p:nvPicPr>
-        <p:blipFill>
-          <a:blip r:embed="rId3"/>
-          <a:stretch>
-            <a:fillRect/>
-          </a:stretch>
-        </p:blipFill>
-        <p:spPr>
-          <a:xfrm>
-            <a:off x="4647370" y="1006159"/>
-            <a:ext cx="5771758" cy="3264410"/>
+            <a:off x="109537" y="1676400"/>
+            <a:ext cx="11972925" cy="3505200"/>
           </a:xfrm>
           <a:prstGeom prst="rect">
             <a:avLst/>
@@ -6368,7 +6879,7 @@
     </p:spTree>
     <p:extLst>
       <p:ext uri="{BB962C8B-B14F-4D97-AF65-F5344CB8AC3E}">
-        <p14:creationId xmlns:p14="http://schemas.microsoft.com/office/powerpoint/2010/main" val="1991093203"/>
+        <p14:creationId xmlns:p14="http://schemas.microsoft.com/office/powerpoint/2010/main" val="982268529"/>
       </p:ext>
     </p:extLst>
   </p:cSld>
@@ -6427,7 +6938,7 @@
               <a:rPr lang="en-US" sz="2000" b="1" dirty="0">
                 <a:latin typeface="+mn-lt"/>
               </a:rPr>
-              <a:t>Analysis-Purpose vs Loan Status</a:t>
+              <a:t>Analysis Of Loan Status Vs Grades</a:t>
             </a:r>
           </a:p>
         </p:txBody>
@@ -6482,7 +6993,7 @@
         </p:nvSpPr>
         <p:spPr>
           <a:xfrm>
-            <a:off x="482833" y="5342817"/>
+            <a:off x="508000" y="5781308"/>
             <a:ext cx="11379200" cy="369332"/>
           </a:xfrm>
           <a:prstGeom prst="rect">
@@ -6496,26 +7007,25 @@
           </a:bodyPr>
           <a:lstStyle/>
           <a:p>
-            <a:pPr marL="285750" indent="-285750">
-              <a:buFont typeface="Arial" panose="020B0604020202020204" pitchFamily="34" charset="0"/>
-              <a:buChar char="•"/>
-            </a:pPr>
             <a:r>
               <a:rPr lang="en-US" b="0" i="0" dirty="0">
+                <a:solidFill>
+                  <a:srgbClr val="111111"/>
+                </a:solidFill>
                 <a:effectLst/>
+                <a:latin typeface="-apple-system"/>
               </a:rPr>
-              <a:t>Small business purpose category have defaulted more</a:t>
-            </a:r>
-            <a:endParaRPr lang="en-US" dirty="0"/>
+              <a:t>Number of charged-off loans increases as credit grades decrease.</a:t>
+            </a:r>
           </a:p>
         </p:txBody>
       </p:sp>
       <p:pic>
         <p:nvPicPr>
-          <p:cNvPr id="6" name="Picture 5">
-            <a:extLst>
-              <a:ext uri="{FF2B5EF4-FFF2-40B4-BE49-F238E27FC236}">
-                <a16:creationId xmlns:a16="http://schemas.microsoft.com/office/drawing/2014/main" id="{C8AB0A48-8650-152F-BBA3-3ED691EA6FAD}"/>
+          <p:cNvPr id="5" name="Picture 4">
+            <a:extLst>
+              <a:ext uri="{FF2B5EF4-FFF2-40B4-BE49-F238E27FC236}">
+                <a16:creationId xmlns:a16="http://schemas.microsoft.com/office/drawing/2014/main" id="{763D775C-B930-D30B-31B3-B23367F3BC64}"/>
               </a:ext>
             </a:extLst>
           </p:cNvPr>
@@ -6532,8 +7042,8 @@
         </p:blipFill>
         <p:spPr>
           <a:xfrm>
-            <a:off x="3208002" y="1105126"/>
-            <a:ext cx="4358867" cy="3984179"/>
+            <a:off x="1145220" y="807532"/>
+            <a:ext cx="8380520" cy="5007601"/>
           </a:xfrm>
           <a:prstGeom prst="rect">
             <a:avLst/>
@@ -6543,7 +7053,7 @@
     </p:spTree>
     <p:extLst>
       <p:ext uri="{BB962C8B-B14F-4D97-AF65-F5344CB8AC3E}">
-        <p14:creationId xmlns:p14="http://schemas.microsoft.com/office/powerpoint/2010/main" val="2835575716"/>
+        <p14:creationId xmlns:p14="http://schemas.microsoft.com/office/powerpoint/2010/main" val="1277499974"/>
       </p:ext>
     </p:extLst>
   </p:cSld>

--- a/Lending_Club_Case_study.pptx
+++ b/Lending_Club_Case_study.pptx
@@ -17,9 +17,10 @@
     <p:sldId id="275" r:id="rId11"/>
     <p:sldId id="276" r:id="rId12"/>
     <p:sldId id="281" r:id="rId13"/>
-    <p:sldId id="277" r:id="rId14"/>
-    <p:sldId id="263" r:id="rId15"/>
-    <p:sldId id="271" r:id="rId16"/>
+    <p:sldId id="282" r:id="rId14"/>
+    <p:sldId id="283" r:id="rId15"/>
+    <p:sldId id="263" r:id="rId16"/>
+    <p:sldId id="271" r:id="rId17"/>
   </p:sldIdLst>
   <p:sldSz cx="12192000" cy="6858000"/>
   <p:notesSz cx="6858000" cy="9144000"/>
@@ -3942,7 +3943,7 @@
           <a:p>
             <a:r>
               <a:rPr lang="en-US" dirty="0"/>
-              <a:t>Borrowers with longer job tenures who take out larger loans generally have higher default rates.</a:t>
+              <a:t>Borrowers with more job years and larger loan amounts typically experience higher default rates</a:t>
             </a:r>
           </a:p>
         </p:txBody>
@@ -4039,7 +4040,7 @@
               <a:rPr lang="en-US" sz="2000" b="1" dirty="0">
                 <a:latin typeface="+mn-lt"/>
               </a:rPr>
-              <a:t>Analysis-Purpose vs Loan Status</a:t>
+              <a:t>Analysis Of Employment Years Vs Interest Rate</a:t>
             </a:r>
           </a:p>
         </p:txBody>
@@ -4095,7 +4096,7 @@
         <p:spPr>
           <a:xfrm>
             <a:off x="482833" y="5342817"/>
-            <a:ext cx="11379200" cy="923330"/>
+            <a:ext cx="11379200" cy="369332"/>
           </a:xfrm>
           <a:prstGeom prst="rect">
             <a:avLst/>
@@ -4108,37 +4109,10 @@
           </a:bodyPr>
           <a:lstStyle/>
           <a:p>
-            <a:pPr marL="285750" indent="-285750">
-              <a:buFont typeface="Arial" panose="020B0604020202020204" pitchFamily="34" charset="0"/>
-              <a:buChar char="•"/>
-            </a:pPr>
-            <a:r>
-              <a:rPr lang="en-US" b="0" i="0" dirty="0">
-                <a:effectLst/>
-              </a:rPr>
-              <a:t>There is around 20% chance of loan default in each home ownership category.</a:t>
-            </a:r>
-          </a:p>
-          <a:p>
-            <a:pPr marL="285750" indent="-285750">
-              <a:buFont typeface="Arial" panose="020B0604020202020204" pitchFamily="34" charset="0"/>
-              <a:buChar char="•"/>
-            </a:pPr>
-            <a:r>
-              <a:rPr lang="en-US" b="0" i="0" dirty="0">
-                <a:effectLst/>
-              </a:rPr>
-              <a:t>From the 2nd plot we can see the people with higher loan amounts in mortgage home ownership has</a:t>
-            </a:r>
-          </a:p>
-          <a:p>
-            <a:r>
-              <a:rPr lang="en-US" b="0" i="0" dirty="0">
-                <a:effectLst/>
-              </a:rPr>
-              <a:t>     high default rate than others</a:t>
-            </a:r>
-            <a:endParaRPr lang="en-US" dirty="0"/>
+            <a:r>
+              <a:rPr lang="en-US" dirty="0"/>
+              <a:t>Regardless of employment length, loans with higher interest rates tend to have higher default rates.</a:t>
+            </a:r>
           </a:p>
         </p:txBody>
       </p:sp>
@@ -4147,7 +4121,7 @@
           <p:cNvPr id="5" name="Picture 4">
             <a:extLst>
               <a:ext uri="{FF2B5EF4-FFF2-40B4-BE49-F238E27FC236}">
-                <a16:creationId xmlns:a16="http://schemas.microsoft.com/office/drawing/2014/main" id="{D05918DE-1A53-CB8E-8060-60C5C755D39E}"/>
+                <a16:creationId xmlns:a16="http://schemas.microsoft.com/office/drawing/2014/main" id="{7BD939D6-F99C-3E84-8229-5EC92B75931D}"/>
               </a:ext>
             </a:extLst>
           </p:cNvPr>
@@ -4164,38 +4138,8 @@
         </p:blipFill>
         <p:spPr>
           <a:xfrm>
-            <a:off x="838200" y="1069759"/>
-            <a:ext cx="5236610" cy="3884337"/>
-          </a:xfrm>
-          <a:prstGeom prst="rect">
-            <a:avLst/>
-          </a:prstGeom>
-        </p:spPr>
-      </p:pic>
-      <p:pic>
-        <p:nvPicPr>
-          <p:cNvPr id="9" name="Picture 8">
-            <a:extLst>
-              <a:ext uri="{FF2B5EF4-FFF2-40B4-BE49-F238E27FC236}">
-                <a16:creationId xmlns:a16="http://schemas.microsoft.com/office/drawing/2014/main" id="{7C30F71D-D157-9CD5-E1BB-481667168884}"/>
-              </a:ext>
-            </a:extLst>
-          </p:cNvPr>
-          <p:cNvPicPr>
-            <a:picLocks noChangeAspect="1"/>
-          </p:cNvPicPr>
-          <p:nvPr/>
-        </p:nvPicPr>
-        <p:blipFill>
-          <a:blip r:embed="rId3"/>
-          <a:stretch>
-            <a:fillRect/>
-          </a:stretch>
-        </p:blipFill>
-        <p:spPr>
-          <a:xfrm>
-            <a:off x="5242114" y="1069759"/>
-            <a:ext cx="5667375" cy="3884337"/>
+            <a:off x="119062" y="1443037"/>
+            <a:ext cx="11953875" cy="3971925"/>
           </a:xfrm>
           <a:prstGeom prst="rect">
             <a:avLst/>
@@ -4205,7 +4149,7 @@
     </p:spTree>
     <p:extLst>
       <p:ext uri="{BB962C8B-B14F-4D97-AF65-F5344CB8AC3E}">
-        <p14:creationId xmlns:p14="http://schemas.microsoft.com/office/powerpoint/2010/main" val="175261434"/>
+        <p14:creationId xmlns:p14="http://schemas.microsoft.com/office/powerpoint/2010/main" val="2891399871"/>
       </p:ext>
     </p:extLst>
   </p:cSld>
@@ -4237,7 +4181,7 @@
           <p:cNvPr id="2" name="Title 1">
             <a:extLst>
               <a:ext uri="{FF2B5EF4-FFF2-40B4-BE49-F238E27FC236}">
-                <a16:creationId xmlns:a16="http://schemas.microsoft.com/office/drawing/2014/main" id="{FBAF1ACA-C322-D44E-F598-C73F1596AE95}"/>
+                <a16:creationId xmlns:a16="http://schemas.microsoft.com/office/drawing/2014/main" id="{2DB8854D-7598-190D-BBB5-33A192C9D889}"/>
               </a:ext>
             </a:extLst>
           </p:cNvPr>
@@ -4250,45 +4194,8 @@
         </p:nvSpPr>
         <p:spPr>
           <a:xfrm>
-            <a:off x="838200" y="-203052"/>
-            <a:ext cx="10515600" cy="1325563"/>
-          </a:xfrm>
-        </p:spPr>
-        <p:txBody>
-          <a:bodyPr>
-            <a:normAutofit/>
-          </a:bodyPr>
-          <a:lstStyle/>
-          <a:p>
-            <a:r>
-              <a:rPr lang="en-US" sz="2800" b="1" dirty="0">
-                <a:latin typeface="+mn-lt"/>
-              </a:rPr>
-              <a:t>Insights from EDA</a:t>
-            </a:r>
-          </a:p>
-        </p:txBody>
-      </p:sp>
-      <p:sp>
-        <p:nvSpPr>
-          <p:cNvPr id="3" name="Content Placeholder 2">
-            <a:extLst>
-              <a:ext uri="{FF2B5EF4-FFF2-40B4-BE49-F238E27FC236}">
-                <a16:creationId xmlns:a16="http://schemas.microsoft.com/office/drawing/2014/main" id="{3EFD0632-3C11-A6EA-0D98-398D85822143}"/>
-              </a:ext>
-            </a:extLst>
-          </p:cNvPr>
-          <p:cNvSpPr>
-            <a:spLocks noGrp="1"/>
-          </p:cNvSpPr>
-          <p:nvPr>
-            <p:ph idx="1"/>
-          </p:nvPr>
-        </p:nvSpPr>
-        <p:spPr>
-          <a:xfrm>
-            <a:off x="838200" y="857953"/>
-            <a:ext cx="10515600" cy="5667133"/>
+            <a:off x="838200" y="365126"/>
+            <a:ext cx="10515600" cy="315912"/>
           </a:xfrm>
         </p:spPr>
         <p:txBody>
@@ -4298,127 +4205,119 @@
           <a:lstStyle/>
           <a:p>
             <a:r>
-              <a:rPr lang="en-US" sz="1400" b="1" dirty="0"/>
-              <a:t>Key Insights:</a:t>
-            </a:r>
-          </a:p>
-          <a:p>
-            <a:pPr marL="0" indent="0">
-              <a:buNone/>
-            </a:pPr>
-            <a:r>
-              <a:rPr lang="en-US" sz="1400" dirty="0"/>
-              <a:t>Interest Rates and Defaults:</a:t>
-            </a:r>
-          </a:p>
-          <a:p>
-            <a:r>
-              <a:rPr lang="en-US" sz="1400" dirty="0"/>
-              <a:t>    Higher interest rates are strongly associated with higher default rates, irrespective of loan tenure and verification status.</a:t>
-            </a:r>
-          </a:p>
-          <a:p>
-            <a:r>
-              <a:rPr lang="en-US" sz="1400" dirty="0"/>
-              <a:t>    Borrowers with high revolving credit utilization face higher interest rates and tend to default more frequently.</a:t>
-            </a:r>
-          </a:p>
-          <a:p>
-            <a:pPr marL="0" indent="0">
-              <a:buNone/>
-            </a:pPr>
-            <a:r>
-              <a:rPr lang="en-US" sz="1400" dirty="0"/>
-              <a:t>Loan Amount and Defaults:</a:t>
-            </a:r>
-          </a:p>
-          <a:p>
-            <a:r>
-              <a:rPr lang="en-US" sz="1400" dirty="0"/>
-              <a:t>    Larger loan amounts, particularly in small business and home loan categories, are associated with higher default rates.</a:t>
-            </a:r>
-          </a:p>
-          <a:p>
-            <a:r>
-              <a:rPr lang="en-US" sz="1400" dirty="0"/>
-              <a:t>    High loan amounts in small business loans show a strong correlation with defaults.</a:t>
-            </a:r>
-          </a:p>
-          <a:p>
-            <a:pPr marL="0" indent="0">
-              <a:buNone/>
-            </a:pPr>
-            <a:r>
-              <a:rPr lang="en-US" sz="1400" dirty="0"/>
-              <a:t>Credit Grades and Defaults:</a:t>
-            </a:r>
-          </a:p>
-          <a:p>
-            <a:r>
-              <a:rPr lang="en-US" sz="1400" dirty="0"/>
-              <a:t>    Lower credit grades (F and G) are associated with higher default rates and larger loan amounts. Borrowers in these grades have higher public derogatory records.</a:t>
-            </a:r>
-          </a:p>
-          <a:p>
-            <a:r>
-              <a:rPr lang="en-US" sz="1400" dirty="0"/>
-              <a:t>    A-grade borrowers have fewer derogatory records and a lower default rate.</a:t>
-            </a:r>
-          </a:p>
-          <a:p>
-            <a:pPr marL="0" indent="0">
-              <a:buNone/>
-            </a:pPr>
-            <a:r>
-              <a:rPr lang="en-US" sz="1400" dirty="0"/>
-              <a:t>Home Ownership and DTI:</a:t>
-            </a:r>
-          </a:p>
-          <a:p>
-            <a:r>
-              <a:rPr lang="en-US" sz="1400" dirty="0"/>
-              <a:t>    Borrowers with mortgage ownership have higher incomes but also higher loan amounts, which correlates with higher default rates.</a:t>
-            </a:r>
-          </a:p>
-          <a:p>
-            <a:r>
-              <a:rPr lang="en-US" sz="1400" dirty="0"/>
-              <a:t>    "Other" home ownership categories have a lower DTI ratio, but an equal likelihood of default compared to other categories.</a:t>
-            </a:r>
-          </a:p>
-          <a:p>
-            <a:pPr marL="0" indent="0">
-              <a:buNone/>
-            </a:pPr>
-            <a:r>
-              <a:rPr lang="en-US" sz="1400" dirty="0"/>
-              <a:t>Public Records:</a:t>
-            </a:r>
-          </a:p>
-          <a:p>
-            <a:r>
-              <a:rPr lang="en-US" sz="1400" dirty="0"/>
-              <a:t>    Public derogatory records are highly correlated with public bankruptcy records, indicating that higher derogatory records are a strong predictor of default.</a:t>
-            </a:r>
-          </a:p>
-          <a:p>
-            <a:r>
-              <a:rPr lang="en-US" sz="1400" dirty="0"/>
-              <a:t>    Borrowers with 4 public derogatory records are predominantly in the mortgage ownership category and "Not Verified" status.</a:t>
-            </a:r>
-          </a:p>
-          <a:p>
-            <a:endParaRPr lang="en-US" sz="1400" dirty="0"/>
-          </a:p>
-          <a:p>
-            <a:endParaRPr lang="en-US" sz="1400" dirty="0"/>
-          </a:p>
-        </p:txBody>
-      </p:sp>
+              <a:rPr lang="en-US" sz="2000" b="1" dirty="0">
+                <a:latin typeface="+mn-lt"/>
+              </a:rPr>
+              <a:t>Analysis Of Home Ownership Vs Loan Status</a:t>
+            </a:r>
+          </a:p>
+        </p:txBody>
+      </p:sp>
+      <p:sp>
+        <p:nvSpPr>
+          <p:cNvPr id="3" name="Content Placeholder 2">
+            <a:extLst>
+              <a:ext uri="{FF2B5EF4-FFF2-40B4-BE49-F238E27FC236}">
+                <a16:creationId xmlns:a16="http://schemas.microsoft.com/office/drawing/2014/main" id="{5E214694-B4B5-874C-80F5-379A75305611}"/>
+              </a:ext>
+            </a:extLst>
+          </p:cNvPr>
+          <p:cNvSpPr>
+            <a:spLocks noGrp="1"/>
+          </p:cNvSpPr>
+          <p:nvPr>
+            <p:ph idx="1"/>
+          </p:nvPr>
+        </p:nvSpPr>
+        <p:spPr>
+          <a:xfrm>
+            <a:off x="740748" y="1188062"/>
+            <a:ext cx="10515600" cy="4351338"/>
+          </a:xfrm>
+        </p:spPr>
+        <p:txBody>
+          <a:bodyPr/>
+          <a:lstStyle/>
+          <a:p>
+            <a:endParaRPr lang="en-US" sz="2000" dirty="0"/>
+          </a:p>
+          <a:p>
+            <a:endParaRPr lang="en-US" sz="2000" dirty="0"/>
+          </a:p>
+          <a:p>
+            <a:endParaRPr lang="en-US" dirty="0"/>
+          </a:p>
+        </p:txBody>
+      </p:sp>
+      <p:sp>
+        <p:nvSpPr>
+          <p:cNvPr id="8" name="TextBox 7">
+            <a:extLst>
+              <a:ext uri="{FF2B5EF4-FFF2-40B4-BE49-F238E27FC236}">
+                <a16:creationId xmlns:a16="http://schemas.microsoft.com/office/drawing/2014/main" id="{20496670-6825-8514-F96D-F6756AA987C4}"/>
+              </a:ext>
+            </a:extLst>
+          </p:cNvPr>
+          <p:cNvSpPr txBox="1"/>
+          <p:nvPr/>
+        </p:nvSpPr>
+        <p:spPr>
+          <a:xfrm>
+            <a:off x="482833" y="5724558"/>
+            <a:ext cx="11379200" cy="369332"/>
+          </a:xfrm>
+          <a:prstGeom prst="rect">
+            <a:avLst/>
+          </a:prstGeom>
+          <a:noFill/>
+        </p:spPr>
+        <p:txBody>
+          <a:bodyPr wrap="square" rtlCol="0">
+            <a:spAutoFit/>
+          </a:bodyPr>
+          <a:lstStyle/>
+          <a:p>
+            <a:r>
+              <a:rPr lang="en-US" dirty="0"/>
+              <a:t>Slightly higher percentage of defaults in the "Other" home ownership category.</a:t>
+            </a:r>
+          </a:p>
+        </p:txBody>
+      </p:sp>
+      <p:pic>
+        <p:nvPicPr>
+          <p:cNvPr id="6" name="Picture 5">
+            <a:extLst>
+              <a:ext uri="{FF2B5EF4-FFF2-40B4-BE49-F238E27FC236}">
+                <a16:creationId xmlns:a16="http://schemas.microsoft.com/office/drawing/2014/main" id="{E573AC79-FD60-4482-F043-66ACB9AA19A8}"/>
+              </a:ext>
+            </a:extLst>
+          </p:cNvPr>
+          <p:cNvPicPr>
+            <a:picLocks noChangeAspect="1"/>
+          </p:cNvPicPr>
+          <p:nvPr/>
+        </p:nvPicPr>
+        <p:blipFill>
+          <a:blip r:embed="rId2"/>
+          <a:stretch>
+            <a:fillRect/>
+          </a:stretch>
+        </p:blipFill>
+        <p:spPr>
+          <a:xfrm>
+            <a:off x="1171852" y="681038"/>
+            <a:ext cx="9405105" cy="4850336"/>
+          </a:xfrm>
+          <a:prstGeom prst="rect">
+            <a:avLst/>
+          </a:prstGeom>
+        </p:spPr>
+      </p:pic>
     </p:spTree>
     <p:extLst>
       <p:ext uri="{BB962C8B-B14F-4D97-AF65-F5344CB8AC3E}">
-        <p14:creationId xmlns:p14="http://schemas.microsoft.com/office/powerpoint/2010/main" val="1415256672"/>
+        <p14:creationId xmlns:p14="http://schemas.microsoft.com/office/powerpoint/2010/main" val="398074364"/>
       </p:ext>
     </p:extLst>
   </p:cSld>
@@ -4450,7 +4349,7 @@
           <p:cNvPr id="2" name="Title 1">
             <a:extLst>
               <a:ext uri="{FF2B5EF4-FFF2-40B4-BE49-F238E27FC236}">
-                <a16:creationId xmlns:a16="http://schemas.microsoft.com/office/drawing/2014/main" id="{A55DB2F6-88AC-34B4-0212-56CEAF7419DF}"/>
+                <a16:creationId xmlns:a16="http://schemas.microsoft.com/office/drawing/2014/main" id="{FBAF1ACA-C322-D44E-F598-C73F1596AE95}"/>
               </a:ext>
             </a:extLst>
           </p:cNvPr>
@@ -4461,7 +4360,12 @@
             <p:ph type="title"/>
           </p:nvPr>
         </p:nvSpPr>
-        <p:spPr/>
+        <p:spPr>
+          <a:xfrm>
+            <a:off x="838200" y="-203052"/>
+            <a:ext cx="10515600" cy="1325563"/>
+          </a:xfrm>
+        </p:spPr>
         <p:txBody>
           <a:bodyPr>
             <a:normAutofit/>
@@ -4472,7 +4376,7 @@
               <a:rPr lang="en-US" sz="2800" b="1" dirty="0">
                 <a:latin typeface="+mn-lt"/>
               </a:rPr>
-              <a:t>Recommendations to Lending Club.</a:t>
+              <a:t>EDA Insights:</a:t>
             </a:r>
           </a:p>
         </p:txBody>
@@ -4482,7 +4386,7 @@
           <p:cNvPr id="3" name="Content Placeholder 2">
             <a:extLst>
               <a:ext uri="{FF2B5EF4-FFF2-40B4-BE49-F238E27FC236}">
-                <a16:creationId xmlns:a16="http://schemas.microsoft.com/office/drawing/2014/main" id="{9890CE3C-799F-590F-1CD1-77148C782BB7}"/>
+                <a16:creationId xmlns:a16="http://schemas.microsoft.com/office/drawing/2014/main" id="{3EFD0632-3C11-A6EA-0D98-398D85822143}"/>
               </a:ext>
             </a:extLst>
           </p:cNvPr>
@@ -4495,8 +4399,8 @@
         </p:nvSpPr>
         <p:spPr>
           <a:xfrm>
-            <a:off x="838200" y="1585919"/>
-            <a:ext cx="10515600" cy="4351338"/>
+            <a:off x="838200" y="857953"/>
+            <a:ext cx="10515600" cy="5667133"/>
           </a:xfrm>
         </p:spPr>
         <p:txBody>
@@ -4509,20 +4413,245 @@
               <a:buNone/>
             </a:pPr>
             <a:r>
-              <a:rPr lang="en-US" sz="1400" dirty="0"/>
+              <a:rPr lang="en-US" sz="1600" b="1" dirty="0"/>
+              <a:t>Interest Rates and Defaults:</a:t>
+            </a:r>
+            <a:endParaRPr lang="en-US" sz="1600" dirty="0"/>
+          </a:p>
+          <a:p>
+            <a:pPr>
+              <a:buFont typeface="Arial" panose="020B0604020202020204" pitchFamily="34" charset="0"/>
+              <a:buChar char="•"/>
+            </a:pPr>
+            <a:r>
+              <a:rPr lang="en-US" sz="1600" dirty="0"/>
+              <a:t>Higher interest rates are strongly linked to increased default rates, regardless of loan duration or verification status.</a:t>
+            </a:r>
+          </a:p>
+          <a:p>
+            <a:pPr>
+              <a:buFont typeface="Arial" panose="020B0604020202020204" pitchFamily="34" charset="0"/>
+              <a:buChar char="•"/>
+            </a:pPr>
+            <a:r>
+              <a:rPr lang="en-US" sz="1600" dirty="0"/>
+              <a:t>Borrowers with high revolving credit utilization face higher interest rates and tend to default more often.</a:t>
+            </a:r>
+          </a:p>
+          <a:p>
+            <a:pPr marL="0" indent="0">
+              <a:buNone/>
+            </a:pPr>
+            <a:r>
+              <a:rPr lang="en-US" sz="1600" b="1" dirty="0"/>
+              <a:t>Loan Amount and Defaults:</a:t>
+            </a:r>
+            <a:endParaRPr lang="en-US" sz="1600" dirty="0"/>
+          </a:p>
+          <a:p>
+            <a:pPr>
+              <a:buFont typeface="Arial" panose="020B0604020202020204" pitchFamily="34" charset="0"/>
+              <a:buChar char="•"/>
+            </a:pPr>
+            <a:r>
+              <a:rPr lang="en-US" sz="1600" dirty="0"/>
+              <a:t>Larger loan amounts, especially in small business and home loan categories, are associated with higher default rates.</a:t>
+            </a:r>
+          </a:p>
+          <a:p>
+            <a:pPr>
+              <a:buFont typeface="Arial" panose="020B0604020202020204" pitchFamily="34" charset="0"/>
+              <a:buChar char="•"/>
+            </a:pPr>
+            <a:r>
+              <a:rPr lang="en-US" sz="1600" dirty="0"/>
+              <a:t>High loan amounts in small business loans have a strong correlation with defaults.</a:t>
+            </a:r>
+          </a:p>
+          <a:p>
+            <a:pPr marL="0" indent="0">
+              <a:buNone/>
+            </a:pPr>
+            <a:r>
+              <a:rPr lang="en-US" sz="1600" b="1" dirty="0"/>
+              <a:t>Credit Grades and Defaults:</a:t>
+            </a:r>
+            <a:endParaRPr lang="en-US" sz="1600" dirty="0"/>
+          </a:p>
+          <a:p>
+            <a:pPr>
+              <a:buFont typeface="Arial" panose="020B0604020202020204" pitchFamily="34" charset="0"/>
+              <a:buChar char="•"/>
+            </a:pPr>
+            <a:r>
+              <a:rPr lang="en-US" sz="1600" dirty="0"/>
+              <a:t>Lower credit grades (F and G) are associated with higher default rates and larger loan amounts, with borrowers in these grades having more public derogatory records.</a:t>
+            </a:r>
+          </a:p>
+          <a:p>
+            <a:pPr>
+              <a:buFont typeface="Arial" panose="020B0604020202020204" pitchFamily="34" charset="0"/>
+              <a:buChar char="•"/>
+            </a:pPr>
+            <a:r>
+              <a:rPr lang="en-US" sz="1600" dirty="0"/>
+              <a:t>A-grade borrowers have fewer derogatory records and a lower default rate.</a:t>
+            </a:r>
+          </a:p>
+          <a:p>
+            <a:pPr marL="0" indent="0">
+              <a:buNone/>
+            </a:pPr>
+            <a:r>
+              <a:rPr lang="en-US" sz="1600" b="1" dirty="0"/>
+              <a:t>Home Ownership and DTI:</a:t>
+            </a:r>
+            <a:endParaRPr lang="en-US" sz="1600" dirty="0"/>
+          </a:p>
+          <a:p>
+            <a:pPr>
+              <a:buFont typeface="Arial" panose="020B0604020202020204" pitchFamily="34" charset="0"/>
+              <a:buChar char="•"/>
+            </a:pPr>
+            <a:r>
+              <a:rPr lang="en-US" sz="1600" dirty="0"/>
+              <a:t>Borrowers with mortgages have higher incomes but also larger loan amounts, which correlate with higher default rates.</a:t>
+            </a:r>
+          </a:p>
+          <a:p>
+            <a:pPr>
+              <a:buFont typeface="Arial" panose="020B0604020202020204" pitchFamily="34" charset="0"/>
+              <a:buChar char="•"/>
+            </a:pPr>
+            <a:r>
+              <a:rPr lang="en-US" sz="1600" dirty="0"/>
+              <a:t>Other home ownership categories have a lower DTI ratio but a similar likelihood of default compared to other categories.</a:t>
+            </a:r>
+          </a:p>
+        </p:txBody>
+      </p:sp>
+    </p:spTree>
+    <p:extLst>
+      <p:ext uri="{BB962C8B-B14F-4D97-AF65-F5344CB8AC3E}">
+        <p14:creationId xmlns:p14="http://schemas.microsoft.com/office/powerpoint/2010/main" val="1415256672"/>
+      </p:ext>
+    </p:extLst>
+  </p:cSld>
+  <p:clrMapOvr>
+    <a:masterClrMapping/>
+  </p:clrMapOvr>
+</p:sld>
+</file>
+
+<file path=ppt/slides/slide16.xml><?xml version="1.0" encoding="utf-8"?>
+<p:sld xmlns:a="http://schemas.openxmlformats.org/drawingml/2006/main" xmlns:r="http://schemas.openxmlformats.org/officeDocument/2006/relationships" xmlns:p="http://schemas.openxmlformats.org/presentationml/2006/main">
+  <p:cSld>
+    <p:spTree>
+      <p:nvGrpSpPr>
+        <p:cNvPr id="1" name=""/>
+        <p:cNvGrpSpPr/>
+        <p:nvPr/>
+      </p:nvGrpSpPr>
+      <p:grpSpPr>
+        <a:xfrm>
+          <a:off x="0" y="0"/>
+          <a:ext cx="0" cy="0"/>
+          <a:chOff x="0" y="0"/>
+          <a:chExt cx="0" cy="0"/>
+        </a:xfrm>
+      </p:grpSpPr>
+      <p:sp>
+        <p:nvSpPr>
+          <p:cNvPr id="2" name="Title 1">
+            <a:extLst>
+              <a:ext uri="{FF2B5EF4-FFF2-40B4-BE49-F238E27FC236}">
+                <a16:creationId xmlns:a16="http://schemas.microsoft.com/office/drawing/2014/main" id="{A55DB2F6-88AC-34B4-0212-56CEAF7419DF}"/>
+              </a:ext>
+            </a:extLst>
+          </p:cNvPr>
+          <p:cNvSpPr>
+            <a:spLocks noGrp="1"/>
+          </p:cNvSpPr>
+          <p:nvPr>
+            <p:ph type="title"/>
+          </p:nvPr>
+        </p:nvSpPr>
+        <p:spPr>
+          <a:xfrm>
+            <a:off x="838200" y="116548"/>
+            <a:ext cx="10515600" cy="1325563"/>
+          </a:xfrm>
+        </p:spPr>
+        <p:txBody>
+          <a:bodyPr>
+            <a:normAutofit/>
+          </a:bodyPr>
+          <a:lstStyle/>
+          <a:p>
+            <a:r>
+              <a:rPr lang="en-US" sz="2800" b="1" dirty="0">
+                <a:latin typeface="+mn-lt"/>
+              </a:rPr>
+              <a:t>Recommendations:</a:t>
+            </a:r>
+          </a:p>
+        </p:txBody>
+      </p:sp>
+      <p:sp>
+        <p:nvSpPr>
+          <p:cNvPr id="3" name="Content Placeholder 2">
+            <a:extLst>
+              <a:ext uri="{FF2B5EF4-FFF2-40B4-BE49-F238E27FC236}">
+                <a16:creationId xmlns:a16="http://schemas.microsoft.com/office/drawing/2014/main" id="{9890CE3C-799F-590F-1CD1-77148C782BB7}"/>
+              </a:ext>
+            </a:extLst>
+          </p:cNvPr>
+          <p:cNvSpPr>
+            <a:spLocks noGrp="1"/>
+          </p:cNvSpPr>
+          <p:nvPr>
+            <p:ph idx="1"/>
+          </p:nvPr>
+        </p:nvSpPr>
+        <p:spPr>
+          <a:xfrm>
+            <a:off x="838200" y="1355098"/>
+            <a:ext cx="10515600" cy="4351338"/>
+          </a:xfrm>
+        </p:spPr>
+        <p:txBody>
+          <a:bodyPr>
+            <a:noAutofit/>
+          </a:bodyPr>
+          <a:lstStyle/>
+          <a:p>
+            <a:pPr marL="0" indent="0">
+              <a:buNone/>
+            </a:pPr>
+            <a:r>
+              <a:rPr lang="en-US" sz="1600" b="1" dirty="0"/>
               <a:t>Refine Home Ownership Criteria:</a:t>
             </a:r>
-          </a:p>
-          <a:p>
-            <a:r>
-              <a:rPr lang="en-US" sz="1400" dirty="0"/>
-              <a:t>    Adjust lending criteria for different home ownership categories based on observed default rates and DTI ratios.</a:t>
-            </a:r>
-          </a:p>
-          <a:p>
-            <a:r>
-              <a:rPr lang="en-US" sz="1400" dirty="0"/>
-              <a:t>    Consider offering tailored financial products that align with the risk profile of borrowers in different home ownership categories.</a:t>
+            <a:endParaRPr lang="en-US" sz="1600" dirty="0"/>
+          </a:p>
+          <a:p>
+            <a:pPr>
+              <a:buFont typeface="Arial" panose="020B0604020202020204" pitchFamily="34" charset="0"/>
+              <a:buChar char="•"/>
+            </a:pPr>
+            <a:r>
+              <a:rPr lang="en-US" sz="1600" dirty="0"/>
+              <a:t>Modify lending criteria for various home ownership categories based on observed default rates and DTI ratios.</a:t>
+            </a:r>
+          </a:p>
+          <a:p>
+            <a:pPr>
+              <a:buFont typeface="Arial" panose="020B0604020202020204" pitchFamily="34" charset="0"/>
+              <a:buChar char="•"/>
+            </a:pPr>
+            <a:r>
+              <a:rPr lang="en-US" sz="1600" dirty="0"/>
+              <a:t>Consider creating customized financial products to match the risk profiles of borrowers in different home ownership categories.</a:t>
             </a:r>
           </a:p>
           <a:p>
@@ -4530,20 +4659,34 @@
               <a:buNone/>
             </a:pPr>
             <a:r>
-              <a:rPr lang="en-US" sz="1400" dirty="0"/>
+              <a:rPr lang="en-US" sz="1600" b="1" dirty="0"/>
               <a:t>Improve Verification Processes:</a:t>
             </a:r>
-          </a:p>
-          <a:p>
-            <a:r>
-              <a:rPr lang="en-US" sz="1400" dirty="0"/>
-              <a:t>    Increase focus on thorough verification processes to ensure that loans are given to verified borrowers, as they tend to have more reliable repayment behavior.</a:t>
-            </a:r>
-          </a:p>
-          <a:p>
-            <a:r>
-              <a:rPr lang="en-US" sz="1400" dirty="0"/>
-              <a:t>    Explore options for improving verification for categories with higher default rates, such as the "Not Verified" category.</a:t>
+            <a:endParaRPr lang="en-US" sz="1600" dirty="0"/>
+          </a:p>
+          <a:p>
+            <a:pPr>
+              <a:buFont typeface="Arial" panose="020B0604020202020204" pitchFamily="34" charset="0"/>
+              <a:buChar char="•"/>
+            </a:pPr>
+            <a:r>
+              <a:rPr lang="en-US" sz="1600" dirty="0"/>
+              <a:t>Enhance verification procedures to ensure loans are issued to </a:t>
+            </a:r>
+            <a:r>
+              <a:rPr lang="en-US" sz="1600"/>
+              <a:t>verified borrowers</a:t>
+            </a:r>
+            <a:endParaRPr lang="en-US" sz="1600" dirty="0"/>
+          </a:p>
+          <a:p>
+            <a:pPr>
+              <a:buFont typeface="Arial" panose="020B0604020202020204" pitchFamily="34" charset="0"/>
+              <a:buChar char="•"/>
+            </a:pPr>
+            <a:r>
+              <a:rPr lang="en-US" sz="1600" dirty="0"/>
+              <a:t>Explore ways to improve verification for categories with higher default rates, like the "Not Verified" group.</a:t>
             </a:r>
           </a:p>
           <a:p>
@@ -4551,14 +4694,19 @@
               <a:buNone/>
             </a:pPr>
             <a:r>
-              <a:rPr lang="en-US" sz="1400" dirty="0"/>
+              <a:rPr lang="en-US" sz="1600" b="1" dirty="0"/>
               <a:t>Monitor and Analyze Trends:</a:t>
             </a:r>
-          </a:p>
-          <a:p>
-            <a:r>
-              <a:rPr lang="en-US" sz="1400" dirty="0"/>
-              <a:t>    Continuously monitor default rates and interest rate impacts across different loan types, credit grades, and home ownership categories.</a:t>
+            <a:endParaRPr lang="en-US" sz="1600" dirty="0"/>
+          </a:p>
+          <a:p>
+            <a:pPr>
+              <a:buFont typeface="Arial" panose="020B0604020202020204" pitchFamily="34" charset="0"/>
+              <a:buChar char="•"/>
+            </a:pPr>
+            <a:r>
+              <a:rPr lang="en-US" sz="1600" dirty="0"/>
+              <a:t>Continuously track default rates and the effects of interest rates across different loan types, credit grades, and home ownership categories.</a:t>
             </a:r>
           </a:p>
         </p:txBody>
